--- a/New folder/Presentation.pptx
+++ b/New folder/Presentation.pptx
@@ -7,17 +7,21 @@
   <p:sldIdLst>
     <p:sldId id="257" r:id="rId2"/>
     <p:sldId id="258" r:id="rId3"/>
-    <p:sldId id="269" r:id="rId4"/>
-    <p:sldId id="259" r:id="rId5"/>
-    <p:sldId id="260" r:id="rId6"/>
+    <p:sldId id="259" r:id="rId4"/>
+    <p:sldId id="260" r:id="rId5"/>
+    <p:sldId id="262" r:id="rId6"/>
     <p:sldId id="261" r:id="rId7"/>
-    <p:sldId id="262" r:id="rId8"/>
+    <p:sldId id="266" r:id="rId8"/>
     <p:sldId id="263" r:id="rId9"/>
-    <p:sldId id="264" r:id="rId10"/>
-    <p:sldId id="265" r:id="rId11"/>
-    <p:sldId id="266" r:id="rId12"/>
-    <p:sldId id="267" r:id="rId13"/>
-    <p:sldId id="268" r:id="rId14"/>
+    <p:sldId id="270" r:id="rId10"/>
+    <p:sldId id="273" r:id="rId11"/>
+    <p:sldId id="271" r:id="rId12"/>
+    <p:sldId id="272" r:id="rId13"/>
+    <p:sldId id="264" r:id="rId14"/>
+    <p:sldId id="265" r:id="rId15"/>
+    <p:sldId id="267" r:id="rId16"/>
+    <p:sldId id="268" r:id="rId17"/>
+    <p:sldId id="269" r:id="rId18"/>
   </p:sldIdLst>
   <p:sldSz cx="12192000" cy="6858000"/>
   <p:notesSz cx="6858000" cy="9144000"/>
@@ -116,6 +120,11 @@
       </a:defRPr>
     </a:lvl9pPr>
   </p:defaultTextStyle>
+  <p:extLst>
+    <p:ext uri="{EFAFB233-063F-42B5-8137-9DF3F51BA10A}">
+      <p15:sldGuideLst xmlns:p15="http://schemas.microsoft.com/office/powerpoint/2012/main"/>
+    </p:ext>
+  </p:extLst>
 </p:presentation>
 </file>
 
@@ -250,7 +259,7 @@
           <a:p>
             <a:fld id="{36970162-CD9F-43F9-A30B-378F5B912422}" type="datetimeFigureOut">
               <a:rPr lang="en-US" smtClean="0"/>
-              <a:t>9/6/2019</a:t>
+              <a:t>9/7/2019</a:t>
             </a:fld>
             <a:endParaRPr lang="en-US"/>
           </a:p>
@@ -420,7 +429,7 @@
           <a:p>
             <a:fld id="{36970162-CD9F-43F9-A30B-378F5B912422}" type="datetimeFigureOut">
               <a:rPr lang="en-US" smtClean="0"/>
-              <a:t>9/6/2019</a:t>
+              <a:t>9/7/2019</a:t>
             </a:fld>
             <a:endParaRPr lang="en-US"/>
           </a:p>
@@ -600,7 +609,7 @@
           <a:p>
             <a:fld id="{36970162-CD9F-43F9-A30B-378F5B912422}" type="datetimeFigureOut">
               <a:rPr lang="en-US" smtClean="0"/>
-              <a:t>9/6/2019</a:t>
+              <a:t>9/7/2019</a:t>
             </a:fld>
             <a:endParaRPr lang="en-US"/>
           </a:p>
@@ -770,7 +779,7 @@
           <a:p>
             <a:fld id="{36970162-CD9F-43F9-A30B-378F5B912422}" type="datetimeFigureOut">
               <a:rPr lang="en-US" smtClean="0"/>
-              <a:t>9/6/2019</a:t>
+              <a:t>9/7/2019</a:t>
             </a:fld>
             <a:endParaRPr lang="en-US"/>
           </a:p>
@@ -828,6 +837,13 @@
   <p:clrMapOvr>
     <a:masterClrMapping/>
   </p:clrMapOvr>
+  <p:timing>
+    <p:tnLst>
+      <p:par>
+        <p:cTn id="1" dur="indefinite" restart="never" nodeType="tmRoot"/>
+      </p:par>
+    </p:tnLst>
+  </p:timing>
 </p:sldLayout>
 </file>
 
@@ -1016,7 +1032,7 @@
           <a:p>
             <a:fld id="{36970162-CD9F-43F9-A30B-378F5B912422}" type="datetimeFigureOut">
               <a:rPr lang="en-US" smtClean="0"/>
-              <a:t>9/6/2019</a:t>
+              <a:t>9/7/2019</a:t>
             </a:fld>
             <a:endParaRPr lang="en-US"/>
           </a:p>
@@ -1248,7 +1264,7 @@
           <a:p>
             <a:fld id="{36970162-CD9F-43F9-A30B-378F5B912422}" type="datetimeFigureOut">
               <a:rPr lang="en-US" smtClean="0"/>
-              <a:t>9/6/2019</a:t>
+              <a:t>9/7/2019</a:t>
             </a:fld>
             <a:endParaRPr lang="en-US"/>
           </a:p>
@@ -1615,7 +1631,7 @@
           <a:p>
             <a:fld id="{36970162-CD9F-43F9-A30B-378F5B912422}" type="datetimeFigureOut">
               <a:rPr lang="en-US" smtClean="0"/>
-              <a:t>9/6/2019</a:t>
+              <a:t>9/7/2019</a:t>
             </a:fld>
             <a:endParaRPr lang="en-US"/>
           </a:p>
@@ -1733,7 +1749,7 @@
           <a:p>
             <a:fld id="{36970162-CD9F-43F9-A30B-378F5B912422}" type="datetimeFigureOut">
               <a:rPr lang="en-US" smtClean="0"/>
-              <a:t>9/6/2019</a:t>
+              <a:t>9/7/2019</a:t>
             </a:fld>
             <a:endParaRPr lang="en-US"/>
           </a:p>
@@ -1828,7 +1844,7 @@
           <a:p>
             <a:fld id="{36970162-CD9F-43F9-A30B-378F5B912422}" type="datetimeFigureOut">
               <a:rPr lang="en-US" smtClean="0"/>
-              <a:t>9/6/2019</a:t>
+              <a:t>9/7/2019</a:t>
             </a:fld>
             <a:endParaRPr lang="en-US"/>
           </a:p>
@@ -2105,7 +2121,7 @@
           <a:p>
             <a:fld id="{36970162-CD9F-43F9-A30B-378F5B912422}" type="datetimeFigureOut">
               <a:rPr lang="en-US" smtClean="0"/>
-              <a:t>9/6/2019</a:t>
+              <a:t>9/7/2019</a:t>
             </a:fld>
             <a:endParaRPr lang="en-US"/>
           </a:p>
@@ -2358,7 +2374,7 @@
           <a:p>
             <a:fld id="{36970162-CD9F-43F9-A30B-378F5B912422}" type="datetimeFigureOut">
               <a:rPr lang="en-US" smtClean="0"/>
-              <a:t>9/6/2019</a:t>
+              <a:t>9/7/2019</a:t>
             </a:fld>
             <a:endParaRPr lang="en-US"/>
           </a:p>
@@ -2571,7 +2587,7 @@
           <a:p>
             <a:fld id="{36970162-CD9F-43F9-A30B-378F5B912422}" type="datetimeFigureOut">
               <a:rPr lang="en-US" smtClean="0"/>
-              <a:t>9/6/2019</a:t>
+              <a:t>9/7/2019</a:t>
             </a:fld>
             <a:endParaRPr lang="en-US"/>
           </a:p>
@@ -3075,31 +3091,25 @@
         </p:nvSpPr>
         <p:spPr>
           <a:xfrm>
-            <a:off x="3610693" y="2844800"/>
-            <a:ext cx="5092534" cy="934625"/>
+            <a:off x="3232826" y="2641600"/>
+            <a:ext cx="5848267" cy="934625"/>
           </a:xfrm>
         </p:spPr>
         <p:txBody>
-          <a:bodyPr/>
-          <a:lstStyle/>
-          <a:p>
-            <a:r>
-              <a:rPr lang="en-US" dirty="0" smtClean="0">
+          <a:bodyPr>
+            <a:noAutofit/>
+          </a:bodyPr>
+          <a:lstStyle/>
+          <a:p>
+            <a:r>
+              <a:rPr lang="en-US" sz="7200" b="1" dirty="0" smtClean="0">
                 <a:solidFill>
                   <a:schemeClr val="bg1"/>
                 </a:solidFill>
               </a:rPr>
-              <a:t>WHERE TO </a:t>
-            </a:r>
-            <a:r>
-              <a:rPr lang="en-US" dirty="0" smtClean="0">
-                <a:solidFill>
-                  <a:schemeClr val="bg1"/>
-                </a:solidFill>
-              </a:rPr>
-              <a:t>BUY</a:t>
-            </a:r>
-            <a:endParaRPr lang="en-US" dirty="0">
+              <a:t>WHERE TO BUY</a:t>
+            </a:r>
+            <a:endParaRPr lang="en-US" sz="7200" b="1" dirty="0">
               <a:solidFill>
                 <a:schemeClr val="bg1"/>
               </a:solidFill>
@@ -3145,15 +3155,7 @@
                   <a:schemeClr val="bg1"/>
                 </a:solidFill>
               </a:rPr>
-              <a:t>POLITEKNIK </a:t>
-            </a:r>
-            <a:r>
-              <a:rPr lang="en-US" dirty="0" smtClean="0">
-                <a:solidFill>
-                  <a:schemeClr val="bg1"/>
-                </a:solidFill>
-              </a:rPr>
-              <a:t>NEGERI BATAM </a:t>
+              <a:t>POLITEKNIK NEGERI BATAM </a:t>
             </a:r>
             <a:endParaRPr lang="en-US" dirty="0">
               <a:solidFill>
@@ -3294,222 +3296,141 @@
       </p:grpSpPr>
       <p:sp>
         <p:nvSpPr>
-          <p:cNvPr id="2" name="Title 1"/>
-          <p:cNvSpPr>
-            <a:spLocks noGrp="1"/>
-          </p:cNvSpPr>
-          <p:nvPr>
-            <p:ph type="title"/>
-          </p:nvPr>
-        </p:nvSpPr>
-        <p:spPr/>
-        <p:txBody>
-          <a:bodyPr/>
-          <a:lstStyle/>
-          <a:p>
-            <a:endParaRPr lang="en-US"/>
-          </a:p>
-        </p:txBody>
-      </p:sp>
-      <p:sp>
-        <p:nvSpPr>
-          <p:cNvPr id="3" name="Content Placeholder 2"/>
-          <p:cNvSpPr>
-            <a:spLocks noGrp="1"/>
-          </p:cNvSpPr>
-          <p:nvPr>
-            <p:ph idx="1"/>
-          </p:nvPr>
-        </p:nvSpPr>
-        <p:spPr/>
-        <p:txBody>
-          <a:bodyPr/>
-          <a:lstStyle/>
-          <a:p>
-            <a:pPr>
-              <a:buNone/>
-            </a:pPr>
-            <a:r>
-              <a:rPr lang="en-US" b="1" dirty="0" smtClean="0"/>
-              <a:t>SERVICES</a:t>
-            </a:r>
-          </a:p>
-          <a:p>
-            <a:r>
-              <a:rPr lang="en-US" dirty="0" smtClean="0"/>
-              <a:t>Customer </a:t>
-            </a:r>
-            <a:r>
-              <a:rPr lang="en-US" dirty="0" err="1" smtClean="0"/>
-              <a:t>mencari</a:t>
-            </a:r>
-            <a:r>
-              <a:rPr lang="en-US" dirty="0" smtClean="0"/>
-              <a:t> </a:t>
-            </a:r>
-            <a:r>
-              <a:rPr lang="en-US" dirty="0" err="1" smtClean="0"/>
-              <a:t>jasa</a:t>
-            </a:r>
-            <a:r>
-              <a:rPr lang="en-US" dirty="0" smtClean="0"/>
+          <p:cNvPr id="4" name="Rectangle 3"/>
+          <p:cNvSpPr/>
+          <p:nvPr/>
+        </p:nvSpPr>
+        <p:spPr>
+          <a:xfrm>
+            <a:off x="7489729" y="2322101"/>
+            <a:ext cx="4497642" cy="369332"/>
+          </a:xfrm>
+          <a:prstGeom prst="rect">
+            <a:avLst/>
+          </a:prstGeom>
+        </p:spPr>
+        <p:txBody>
+          <a:bodyPr wrap="none">
+            <a:spAutoFit/>
+          </a:bodyPr>
+          <a:lstStyle/>
+          <a:p>
+            <a:r>
+              <a:rPr lang="en-US" dirty="0" err="1"/>
+              <a:t>Memilih</a:t>
+            </a:r>
+            <a:r>
+              <a:rPr lang="en-US" dirty="0"/>
+              <a:t> </a:t>
+            </a:r>
+            <a:r>
+              <a:rPr lang="en-US" dirty="0" err="1"/>
+              <a:t>barang</a:t>
+            </a:r>
+            <a:r>
+              <a:rPr lang="en-US" dirty="0"/>
               <a:t> yang </a:t>
             </a:r>
             <a:r>
-              <a:rPr lang="en-US" dirty="0" err="1" smtClean="0"/>
-              <a:t>di</a:t>
-            </a:r>
-            <a:r>
-              <a:rPr lang="en-US" dirty="0" smtClean="0"/>
-              <a:t> </a:t>
-            </a:r>
-            <a:r>
-              <a:rPr lang="en-US" dirty="0" err="1" smtClean="0"/>
-              <a:t>inginkan</a:t>
-            </a:r>
-            <a:r>
-              <a:rPr lang="en-US" dirty="0" smtClean="0"/>
-              <a:t> </a:t>
-            </a:r>
-            <a:r>
-              <a:rPr lang="en-US" dirty="0" err="1" smtClean="0"/>
-              <a:t>yaitu</a:t>
-            </a:r>
-            <a:r>
-              <a:rPr lang="en-US" dirty="0" smtClean="0"/>
-              <a:t> </a:t>
-            </a:r>
-            <a:r>
-              <a:rPr lang="en-US" dirty="0" err="1" smtClean="0"/>
-              <a:t>jasa</a:t>
-            </a:r>
-            <a:r>
-              <a:rPr lang="en-US" dirty="0" smtClean="0"/>
-              <a:t> </a:t>
-            </a:r>
-            <a:r>
-              <a:rPr lang="en-US" dirty="0" err="1" smtClean="0"/>
-              <a:t>sedot</a:t>
-            </a:r>
-            <a:r>
-              <a:rPr lang="en-US" dirty="0" smtClean="0"/>
-              <a:t> </a:t>
-            </a:r>
-            <a:r>
-              <a:rPr lang="en-US" dirty="0" err="1" smtClean="0"/>
-              <a:t>wc</a:t>
-            </a:r>
-            <a:r>
-              <a:rPr lang="en-US" dirty="0" smtClean="0"/>
-              <a:t> </a:t>
-            </a:r>
-          </a:p>
-          <a:p>
-            <a:r>
-              <a:rPr lang="en-US" dirty="0" err="1" smtClean="0"/>
-              <a:t>Masuk</a:t>
-            </a:r>
-            <a:r>
-              <a:rPr lang="en-US" dirty="0" smtClean="0"/>
-              <a:t> </a:t>
-            </a:r>
-            <a:r>
-              <a:rPr lang="en-US" dirty="0" err="1" smtClean="0"/>
-              <a:t>ke</a:t>
-            </a:r>
-            <a:r>
-              <a:rPr lang="en-US" dirty="0" smtClean="0"/>
-              <a:t> </a:t>
-            </a:r>
-            <a:r>
-              <a:rPr lang="en-US" dirty="0" err="1" smtClean="0"/>
-              <a:t>aplikasi</a:t>
-            </a:r>
-            <a:r>
-              <a:rPr lang="en-US" dirty="0" smtClean="0"/>
-              <a:t> </a:t>
-            </a:r>
-            <a:r>
-              <a:rPr lang="en-US" dirty="0" err="1" smtClean="0"/>
-              <a:t>wtb</a:t>
-            </a:r>
-            <a:r>
-              <a:rPr lang="en-US" dirty="0" smtClean="0"/>
-              <a:t> </a:t>
-            </a:r>
-          </a:p>
-          <a:p>
-            <a:r>
-              <a:rPr lang="en-US" dirty="0" err="1" smtClean="0"/>
-              <a:t>Mencari</a:t>
-            </a:r>
-            <a:r>
-              <a:rPr lang="en-US" dirty="0" smtClean="0"/>
-              <a:t> </a:t>
-            </a:r>
-            <a:r>
-              <a:rPr lang="en-US" dirty="0" err="1" smtClean="0"/>
-              <a:t>jasa</a:t>
-            </a:r>
-            <a:r>
-              <a:rPr lang="en-US" dirty="0" smtClean="0"/>
-              <a:t> </a:t>
-            </a:r>
-          </a:p>
-          <a:p>
-            <a:r>
-              <a:rPr lang="en-US" dirty="0" err="1" smtClean="0"/>
-              <a:t>Melihat</a:t>
-            </a:r>
-            <a:r>
-              <a:rPr lang="en-US" dirty="0" smtClean="0"/>
-              <a:t> </a:t>
-            </a:r>
-            <a:r>
-              <a:rPr lang="en-US" dirty="0" err="1" smtClean="0"/>
-              <a:t>avaliability</a:t>
-            </a:r>
-            <a:r>
-              <a:rPr lang="en-US" dirty="0" smtClean="0"/>
-              <a:t> </a:t>
-            </a:r>
-          </a:p>
-          <a:p>
-            <a:r>
-              <a:rPr lang="en-US" dirty="0" err="1" smtClean="0"/>
-              <a:t>Memesan</a:t>
-            </a:r>
-            <a:r>
-              <a:rPr lang="en-US" dirty="0" smtClean="0"/>
-              <a:t> </a:t>
-            </a:r>
-            <a:r>
-              <a:rPr lang="en-US" dirty="0" err="1" smtClean="0"/>
-              <a:t>jasa</a:t>
-            </a:r>
-            <a:r>
-              <a:rPr lang="en-US" dirty="0" smtClean="0"/>
-              <a:t> </a:t>
-            </a:r>
-          </a:p>
-          <a:p>
-            <a:endParaRPr lang="en-US" dirty="0" smtClean="0"/>
-          </a:p>
-          <a:p>
+              <a:rPr lang="en-US" dirty="0" err="1"/>
+              <a:t>sesuai</a:t>
+            </a:r>
+            <a:r>
+              <a:rPr lang="en-US" dirty="0"/>
+              <a:t> </a:t>
+            </a:r>
+            <a:r>
+              <a:rPr lang="en-US" dirty="0" err="1"/>
+              <a:t>dengan</a:t>
+            </a:r>
+            <a:r>
+              <a:rPr lang="en-US" dirty="0"/>
+              <a:t> </a:t>
+            </a:r>
+            <a:r>
+              <a:rPr lang="en-US" dirty="0" err="1"/>
+              <a:t>keinginan</a:t>
+            </a:r>
             <a:endParaRPr lang="en-US" dirty="0"/>
           </a:p>
         </p:txBody>
       </p:sp>
+      <p:pic>
+        <p:nvPicPr>
+          <p:cNvPr id="5" name="Picture 4"/>
+          <p:cNvPicPr>
+            <a:picLocks noChangeAspect="1"/>
+          </p:cNvPicPr>
+          <p:nvPr/>
+        </p:nvPicPr>
+        <p:blipFill>
+          <a:blip r:embed="rId2">
+            <a:extLst>
+              <a:ext uri="{28A0092B-C50C-407E-A947-70E740481C1C}">
+                <a14:useLocalDpi xmlns:a14="http://schemas.microsoft.com/office/drawing/2010/main" val="0"/>
+              </a:ext>
+            </a:extLst>
+          </a:blip>
+          <a:stretch>
+            <a:fillRect/>
+          </a:stretch>
+        </p:blipFill>
+        <p:spPr>
+          <a:xfrm>
+            <a:off x="668041" y="1175599"/>
+            <a:ext cx="2587703" cy="4600362"/>
+          </a:xfrm>
+          <a:prstGeom prst="rect">
+            <a:avLst/>
+          </a:prstGeom>
+        </p:spPr>
+      </p:pic>
+      <p:pic>
+        <p:nvPicPr>
+          <p:cNvPr id="6" name="Picture 5"/>
+          <p:cNvPicPr>
+            <a:picLocks noChangeAspect="1"/>
+          </p:cNvPicPr>
+          <p:nvPr/>
+        </p:nvPicPr>
+        <p:blipFill rotWithShape="1">
+          <a:blip r:embed="rId3">
+            <a:extLst>
+              <a:ext uri="{28A0092B-C50C-407E-A947-70E740481C1C}">
+                <a14:useLocalDpi xmlns:a14="http://schemas.microsoft.com/office/drawing/2010/main" val="0"/>
+              </a:ext>
+            </a:extLst>
+          </a:blip>
+          <a:srcRect l="18894" t="8518" r="18407" b="8577"/>
+          <a:stretch/>
+        </p:blipFill>
+        <p:spPr>
+          <a:xfrm>
+            <a:off x="480412" y="470521"/>
+            <a:ext cx="2953253" cy="5896968"/>
+          </a:xfrm>
+          <a:prstGeom prst="rect">
+            <a:avLst/>
+          </a:prstGeom>
+        </p:spPr>
+      </p:pic>
     </p:spTree>
     <p:extLst>
       <p:ext uri="{BB962C8B-B14F-4D97-AF65-F5344CB8AC3E}">
-        <p14:creationId xmlns:p14="http://schemas.microsoft.com/office/powerpoint/2010/main" val="3283871019"/>
+        <p14:creationId xmlns:p14="http://schemas.microsoft.com/office/powerpoint/2010/main" val="3668972724"/>
       </p:ext>
     </p:extLst>
   </p:cSld>
   <p:clrMapOvr>
     <a:masterClrMapping/>
   </p:clrMapOvr>
+  <p:timing>
+    <p:tnLst>
+      <p:par>
+        <p:cTn id="1" dur="indefinite" restart="never" nodeType="tmRoot"/>
+      </p:par>
+    </p:tnLst>
+  </p:timing>
 </p:sld>
 </file>
 
@@ -3532,221 +3453,77 @@
       </p:grpSpPr>
       <p:sp>
         <p:nvSpPr>
-          <p:cNvPr id="2" name="Title 1"/>
-          <p:cNvSpPr>
-            <a:spLocks noGrp="1"/>
-          </p:cNvSpPr>
-          <p:nvPr>
-            <p:ph type="title"/>
-          </p:nvPr>
-        </p:nvSpPr>
-        <p:spPr/>
-        <p:txBody>
-          <a:bodyPr/>
-          <a:lstStyle/>
-          <a:p>
-            <a:r>
-              <a:rPr lang="en-US" dirty="0" smtClean="0"/>
-              <a:t>Benefits</a:t>
-            </a:r>
-            <a:endParaRPr lang="en-US" dirty="0"/>
-          </a:p>
-        </p:txBody>
-      </p:sp>
-      <p:sp>
-        <p:nvSpPr>
-          <p:cNvPr id="3" name="Content Placeholder 2"/>
-          <p:cNvSpPr>
-            <a:spLocks noGrp="1"/>
-          </p:cNvSpPr>
-          <p:nvPr>
-            <p:ph idx="1"/>
-          </p:nvPr>
-        </p:nvSpPr>
-        <p:spPr/>
-        <p:txBody>
-          <a:bodyPr/>
-          <a:lstStyle/>
-          <a:p>
-            <a:r>
-              <a:rPr lang="en-US" dirty="0" err="1" smtClean="0"/>
-              <a:t>Pembeli</a:t>
-            </a:r>
-            <a:r>
-              <a:rPr lang="en-US" dirty="0" smtClean="0"/>
-              <a:t> </a:t>
-            </a:r>
-            <a:r>
-              <a:rPr lang="en-US" dirty="0" err="1" smtClean="0"/>
-              <a:t>mendapatkan</a:t>
-            </a:r>
-            <a:r>
-              <a:rPr lang="en-US" dirty="0" smtClean="0"/>
-              <a:t> </a:t>
-            </a:r>
-            <a:r>
-              <a:rPr lang="en-US" dirty="0" err="1" smtClean="0"/>
-              <a:t>informasi</a:t>
-            </a:r>
-            <a:r>
-              <a:rPr lang="en-US" dirty="0" smtClean="0"/>
-              <a:t> </a:t>
-            </a:r>
-            <a:r>
-              <a:rPr lang="en-US" dirty="0" err="1" smtClean="0"/>
-              <a:t>mengenai</a:t>
+          <p:cNvPr id="4" name="Rectangle 3"/>
+          <p:cNvSpPr/>
+          <p:nvPr/>
+        </p:nvSpPr>
+        <p:spPr>
+          <a:xfrm>
+            <a:off x="5064807" y="1858149"/>
+            <a:ext cx="6096000" cy="369332"/>
+          </a:xfrm>
+          <a:prstGeom prst="rect">
+            <a:avLst/>
+          </a:prstGeom>
+        </p:spPr>
+        <p:txBody>
+          <a:bodyPr>
+            <a:spAutoFit/>
+          </a:bodyPr>
+          <a:lstStyle/>
+          <a:p>
+            <a:r>
+              <a:rPr lang="en-US" dirty="0" err="1"/>
+              <a:t>Memasukkan</a:t>
             </a:r>
             <a:r>
               <a:rPr lang="en-US" dirty="0"/>
               <a:t> </a:t>
             </a:r>
             <a:r>
-              <a:rPr lang="en-US" dirty="0" err="1" smtClean="0"/>
+              <a:rPr lang="en-US" dirty="0" err="1"/>
               <a:t>barang</a:t>
             </a:r>
             <a:r>
-              <a:rPr lang="en-US" dirty="0" smtClean="0"/>
-              <a:t> </a:t>
-            </a:r>
-            <a:r>
-              <a:rPr lang="en-US" dirty="0" err="1" smtClean="0"/>
-              <a:t>dan</a:t>
-            </a:r>
-            <a:r>
-              <a:rPr lang="en-US" dirty="0" smtClean="0"/>
-              <a:t> </a:t>
-            </a:r>
-            <a:r>
-              <a:rPr lang="en-US" dirty="0" err="1" smtClean="0"/>
-              <a:t>jasa</a:t>
-            </a:r>
-            <a:r>
-              <a:rPr lang="en-US" dirty="0" smtClean="0"/>
-              <a:t> </a:t>
-            </a:r>
-          </a:p>
-          <a:p>
-            <a:r>
-              <a:rPr lang="en-US" dirty="0" err="1" smtClean="0"/>
-              <a:t>Pembeli</a:t>
-            </a:r>
-            <a:r>
-              <a:rPr lang="en-US" dirty="0" smtClean="0"/>
-              <a:t> </a:t>
-            </a:r>
-            <a:r>
-              <a:rPr lang="en-US" dirty="0" err="1" smtClean="0"/>
-              <a:t>dapat</a:t>
-            </a:r>
-            <a:r>
-              <a:rPr lang="en-US" dirty="0" smtClean="0"/>
-              <a:t> </a:t>
-            </a:r>
-            <a:r>
-              <a:rPr lang="en-US" dirty="0" err="1" smtClean="0"/>
-              <a:t>langsung</a:t>
-            </a:r>
-            <a:r>
-              <a:rPr lang="en-US" dirty="0" smtClean="0"/>
-              <a:t> </a:t>
-            </a:r>
-            <a:r>
-              <a:rPr lang="en-US" dirty="0" err="1" smtClean="0"/>
-              <a:t>mendapatkan</a:t>
-            </a:r>
-            <a:r>
-              <a:rPr lang="en-US" dirty="0" smtClean="0"/>
-              <a:t> </a:t>
-            </a:r>
-            <a:r>
-              <a:rPr lang="en-US" dirty="0" err="1" smtClean="0"/>
-              <a:t>barang</a:t>
-            </a:r>
-            <a:r>
-              <a:rPr lang="en-US" dirty="0" smtClean="0"/>
-              <a:t> </a:t>
-            </a:r>
-            <a:r>
-              <a:rPr lang="en-US" dirty="0" err="1" smtClean="0"/>
-              <a:t>atau</a:t>
-            </a:r>
-            <a:r>
-              <a:rPr lang="en-US" dirty="0" smtClean="0"/>
-              <a:t> </a:t>
-            </a:r>
-            <a:r>
-              <a:rPr lang="en-US" dirty="0" err="1" smtClean="0"/>
-              <a:t>jasa</a:t>
-            </a:r>
-            <a:r>
-              <a:rPr lang="en-US" dirty="0" smtClean="0"/>
-              <a:t> </a:t>
-            </a:r>
-            <a:r>
-              <a:rPr lang="en-US" dirty="0" err="1" smtClean="0"/>
-              <a:t>tanpa</a:t>
-            </a:r>
-            <a:r>
-              <a:rPr lang="en-US" dirty="0" smtClean="0"/>
-              <a:t> </a:t>
-            </a:r>
-            <a:r>
-              <a:rPr lang="en-US" dirty="0" err="1" smtClean="0"/>
-              <a:t>harus</a:t>
-            </a:r>
-            <a:r>
-              <a:rPr lang="en-US" dirty="0" smtClean="0"/>
-              <a:t> </a:t>
-            </a:r>
-            <a:r>
-              <a:rPr lang="en-US" dirty="0" err="1" smtClean="0"/>
-              <a:t>menunggu</a:t>
-            </a:r>
-            <a:endParaRPr lang="en-US" dirty="0" smtClean="0"/>
-          </a:p>
-          <a:p>
-            <a:r>
-              <a:rPr lang="en-US" dirty="0" err="1" smtClean="0"/>
-              <a:t>Penjual</a:t>
-            </a:r>
-            <a:r>
-              <a:rPr lang="en-US" dirty="0" smtClean="0"/>
-              <a:t> </a:t>
-            </a:r>
-            <a:r>
-              <a:rPr lang="en-US" dirty="0" err="1" smtClean="0"/>
-              <a:t>mendapatkan</a:t>
-            </a:r>
-            <a:r>
-              <a:rPr lang="en-US" dirty="0" smtClean="0"/>
-              <a:t> </a:t>
-            </a:r>
-            <a:r>
-              <a:rPr lang="en-US" dirty="0" err="1" smtClean="0"/>
-              <a:t>Promosi</a:t>
-            </a:r>
-            <a:r>
-              <a:rPr lang="en-US" dirty="0" smtClean="0"/>
-              <a:t> </a:t>
-            </a:r>
-            <a:r>
-              <a:rPr lang="en-US" dirty="0" err="1" smtClean="0"/>
-              <a:t>toko</a:t>
-            </a:r>
-            <a:r>
-              <a:rPr lang="en-US" dirty="0" smtClean="0"/>
-              <a:t> </a:t>
-            </a:r>
-            <a:r>
-              <a:rPr lang="en-US" dirty="0" err="1" smtClean="0"/>
-              <a:t>melalui</a:t>
-            </a:r>
-            <a:r>
-              <a:rPr lang="en-US" dirty="0" smtClean="0"/>
-              <a:t> WTB </a:t>
-            </a:r>
-          </a:p>
-          <a:p>
+              <a:rPr lang="en-US" dirty="0"/>
+              <a:t> yang </a:t>
+            </a:r>
+            <a:r>
+              <a:rPr lang="en-US" dirty="0" err="1"/>
+              <a:t>ingin</a:t>
+            </a:r>
+            <a:r>
+              <a:rPr lang="en-US" dirty="0"/>
+              <a:t> </a:t>
+            </a:r>
+            <a:r>
+              <a:rPr lang="en-US" dirty="0" err="1"/>
+              <a:t>dibeli</a:t>
+            </a:r>
+            <a:r>
+              <a:rPr lang="en-US" dirty="0"/>
+              <a:t> </a:t>
+            </a:r>
+            <a:r>
+              <a:rPr lang="en-US" dirty="0" err="1"/>
+              <a:t>ke</a:t>
+            </a:r>
+            <a:r>
+              <a:rPr lang="en-US" dirty="0"/>
+              <a:t> </a:t>
+            </a:r>
+            <a:r>
+              <a:rPr lang="en-US" dirty="0" err="1"/>
+              <a:t>daftar</a:t>
+            </a:r>
+            <a:r>
+              <a:rPr lang="en-US" dirty="0"/>
+              <a:t> </a:t>
+            </a:r>
+            <a:r>
+              <a:rPr lang="en-US" dirty="0" smtClean="0"/>
+              <a:t>booking</a:t>
+            </a:r>
             <a:endParaRPr lang="en-US" dirty="0"/>
           </a:p>
         </p:txBody>
@@ -3754,13 +3531,20 @@
     </p:spTree>
     <p:extLst>
       <p:ext uri="{BB962C8B-B14F-4D97-AF65-F5344CB8AC3E}">
-        <p14:creationId xmlns:p14="http://schemas.microsoft.com/office/powerpoint/2010/main" val="2032957999"/>
+        <p14:creationId xmlns:p14="http://schemas.microsoft.com/office/powerpoint/2010/main" val="3018701355"/>
       </p:ext>
     </p:extLst>
   </p:cSld>
   <p:clrMapOvr>
     <a:masterClrMapping/>
   </p:clrMapOvr>
+  <p:timing>
+    <p:tnLst>
+      <p:par>
+        <p:cTn id="1" dur="indefinite" restart="never" nodeType="tmRoot"/>
+      </p:par>
+    </p:tnLst>
+  </p:timing>
 </p:sld>
 </file>
 
@@ -3783,178 +3567,57 @@
       </p:grpSpPr>
       <p:sp>
         <p:nvSpPr>
-          <p:cNvPr id="2" name="Title 1"/>
-          <p:cNvSpPr>
-            <a:spLocks noGrp="1"/>
-          </p:cNvSpPr>
-          <p:nvPr>
-            <p:ph type="title"/>
-          </p:nvPr>
-        </p:nvSpPr>
-        <p:spPr/>
-        <p:txBody>
-          <a:bodyPr/>
-          <a:lstStyle/>
-          <a:p>
-            <a:r>
-              <a:rPr lang="en-US" dirty="0" smtClean="0"/>
-              <a:t>Future Plans</a:t>
-            </a:r>
-            <a:endParaRPr lang="en-US" dirty="0"/>
-          </a:p>
-        </p:txBody>
-      </p:sp>
-      <p:sp>
-        <p:nvSpPr>
-          <p:cNvPr id="3" name="Content Placeholder 2"/>
-          <p:cNvSpPr>
-            <a:spLocks noGrp="1"/>
-          </p:cNvSpPr>
-          <p:nvPr>
-            <p:ph idx="1"/>
-          </p:nvPr>
+          <p:cNvPr id="4" name="Rectangle 3"/>
+          <p:cNvSpPr/>
+          <p:nvPr/>
         </p:nvSpPr>
         <p:spPr>
           <a:xfrm>
-            <a:off x="1981200" y="1600201"/>
-            <a:ext cx="7696200" cy="4800599"/>
+            <a:off x="5830936" y="3073419"/>
+            <a:ext cx="3674980" cy="369332"/>
           </a:xfrm>
+          <a:prstGeom prst="rect">
+            <a:avLst/>
+          </a:prstGeom>
         </p:spPr>
         <p:txBody>
-          <a:bodyPr/>
-          <a:lstStyle/>
-          <a:p>
-            <a:pPr>
-              <a:buNone/>
-            </a:pPr>
-            <a:r>
-              <a:rPr lang="en-US" dirty="0" err="1" smtClean="0"/>
-              <a:t>Sisi</a:t>
-            </a:r>
-            <a:r>
-              <a:rPr lang="en-US" dirty="0" smtClean="0"/>
-              <a:t> </a:t>
-            </a:r>
-            <a:r>
-              <a:rPr lang="en-US" dirty="0" err="1" smtClean="0"/>
-              <a:t>Aplikasi</a:t>
-            </a:r>
-            <a:r>
-              <a:rPr lang="en-US" dirty="0" smtClean="0"/>
-              <a:t> </a:t>
-            </a:r>
-          </a:p>
-          <a:p>
-            <a:r>
-              <a:rPr lang="en-US" dirty="0" err="1" smtClean="0"/>
-              <a:t>Fitur</a:t>
-            </a:r>
-            <a:r>
-              <a:rPr lang="en-US" dirty="0" smtClean="0"/>
-              <a:t> Delivery </a:t>
-            </a:r>
-          </a:p>
-          <a:p>
-            <a:r>
-              <a:rPr lang="en-US" dirty="0" err="1" smtClean="0"/>
-              <a:t>Transer</a:t>
-            </a:r>
-            <a:r>
-              <a:rPr lang="en-US" dirty="0" smtClean="0"/>
-              <a:t> </a:t>
-            </a:r>
-            <a:r>
-              <a:rPr lang="en-US" dirty="0" err="1" smtClean="0"/>
-              <a:t>satu</a:t>
-            </a:r>
-            <a:r>
-              <a:rPr lang="en-US" dirty="0" smtClean="0"/>
-              <a:t> </a:t>
-            </a:r>
-            <a:r>
-              <a:rPr lang="en-US" dirty="0" err="1" smtClean="0"/>
-              <a:t>tempat</a:t>
-            </a:r>
-            <a:r>
-              <a:rPr lang="en-US" dirty="0" smtClean="0"/>
-              <a:t> / Virtual Payment </a:t>
-            </a:r>
-          </a:p>
-          <a:p>
-            <a:endParaRPr lang="en-US" dirty="0"/>
-          </a:p>
-          <a:p>
-            <a:pPr>
-              <a:buNone/>
-            </a:pPr>
-            <a:r>
-              <a:rPr lang="en-US" dirty="0" err="1" smtClean="0"/>
-              <a:t>Sisi</a:t>
-            </a:r>
-            <a:r>
-              <a:rPr lang="en-US" dirty="0" smtClean="0"/>
-              <a:t> Marketing </a:t>
-            </a:r>
-          </a:p>
-          <a:p>
-            <a:r>
-              <a:rPr lang="en-US" dirty="0" err="1" smtClean="0"/>
-              <a:t>Setahun</a:t>
-            </a:r>
-            <a:r>
-              <a:rPr lang="en-US" dirty="0" smtClean="0"/>
-              <a:t> gratis </a:t>
-            </a:r>
-          </a:p>
-          <a:p>
-            <a:r>
-              <a:rPr lang="en-US" dirty="0" err="1" smtClean="0"/>
-              <a:t>Kuota</a:t>
-            </a:r>
-            <a:r>
-              <a:rPr lang="en-US" dirty="0" smtClean="0"/>
-              <a:t> </a:t>
-            </a:r>
-            <a:r>
-              <a:rPr lang="en-US" dirty="0" err="1" smtClean="0"/>
-              <a:t>terbatas</a:t>
-            </a:r>
-            <a:r>
-              <a:rPr lang="en-US" dirty="0" smtClean="0"/>
-              <a:t> </a:t>
-            </a:r>
-            <a:r>
-              <a:rPr lang="en-US" dirty="0" err="1" smtClean="0"/>
-              <a:t>untuk</a:t>
-            </a:r>
-            <a:r>
-              <a:rPr lang="en-US" dirty="0" smtClean="0"/>
-              <a:t> </a:t>
-            </a:r>
-            <a:r>
-              <a:rPr lang="en-US" dirty="0" err="1" smtClean="0"/>
-              <a:t>toko</a:t>
-            </a:r>
-            <a:r>
-              <a:rPr lang="en-US" dirty="0" smtClean="0"/>
-              <a:t>/</a:t>
-            </a:r>
-            <a:r>
-              <a:rPr lang="en-US" dirty="0" err="1" smtClean="0"/>
-              <a:t>lapak</a:t>
-            </a:r>
-            <a:r>
-              <a:rPr lang="en-US" dirty="0" smtClean="0"/>
-              <a:t> </a:t>
-            </a:r>
-          </a:p>
-          <a:p>
-            <a:endParaRPr lang="en-US" dirty="0" smtClean="0"/>
-          </a:p>
-          <a:p>
-            <a:pPr>
-              <a:buNone/>
-            </a:pPr>
+          <a:bodyPr wrap="none">
+            <a:spAutoFit/>
+          </a:bodyPr>
+          <a:lstStyle/>
+          <a:p>
+            <a:r>
+              <a:rPr lang="en-US" dirty="0" err="1"/>
+              <a:t>Penjual</a:t>
+            </a:r>
+            <a:r>
+              <a:rPr lang="en-US" dirty="0"/>
+              <a:t> </a:t>
+            </a:r>
+            <a:r>
+              <a:rPr lang="en-US" dirty="0" err="1"/>
+              <a:t>akan</a:t>
+            </a:r>
+            <a:r>
+              <a:rPr lang="en-US" dirty="0"/>
+              <a:t> </a:t>
+            </a:r>
+            <a:r>
+              <a:rPr lang="en-US" dirty="0" err="1"/>
+              <a:t>mendapatkan</a:t>
+            </a:r>
+            <a:r>
+              <a:rPr lang="en-US" dirty="0"/>
+              <a:t> </a:t>
+            </a:r>
+            <a:r>
+              <a:rPr lang="en-US" dirty="0" err="1"/>
+              <a:t>notifikasi</a:t>
+            </a:r>
+            <a:r>
+              <a:rPr lang="en-US" dirty="0"/>
+              <a:t> </a:t>
+            </a:r>
             <a:endParaRPr lang="en-US" dirty="0"/>
           </a:p>
         </p:txBody>
@@ -3962,13 +3625,20 @@
     </p:spTree>
     <p:extLst>
       <p:ext uri="{BB962C8B-B14F-4D97-AF65-F5344CB8AC3E}">
-        <p14:creationId xmlns:p14="http://schemas.microsoft.com/office/powerpoint/2010/main" val="3242371326"/>
+        <p14:creationId xmlns:p14="http://schemas.microsoft.com/office/powerpoint/2010/main" val="3277193311"/>
       </p:ext>
     </p:extLst>
   </p:cSld>
   <p:clrMapOvr>
     <a:masterClrMapping/>
   </p:clrMapOvr>
+  <p:timing>
+    <p:tnLst>
+      <p:par>
+        <p:cTn id="1" dur="indefinite" restart="never" nodeType="tmRoot"/>
+      </p:par>
+    </p:tnLst>
+  </p:timing>
 </p:sld>
 </file>
 
@@ -4005,8 +3675,16 @@
           <a:lstStyle/>
           <a:p>
             <a:r>
-              <a:rPr lang="en-US" dirty="0" smtClean="0"/>
-              <a:t>Conclusions </a:t>
+              <a:rPr lang="en-US" dirty="0" err="1"/>
+              <a:t>Mekanisme</a:t>
+            </a:r>
+            <a:r>
+              <a:rPr lang="en-US" dirty="0"/>
+              <a:t> </a:t>
+            </a:r>
+            <a:r>
+              <a:rPr lang="en-US" dirty="0" smtClean="0"/>
+              <a:t>1</a:t>
             </a:r>
             <a:endParaRPr lang="en-US" dirty="0"/>
           </a:p>
@@ -4028,213 +3706,174 @@
           <a:lstStyle/>
           <a:p>
             <a:r>
-              <a:rPr lang="en-US" dirty="0" err="1" smtClean="0"/>
-              <a:t>Aplikasi</a:t>
-            </a:r>
-            <a:r>
-              <a:rPr lang="en-US" dirty="0" smtClean="0"/>
-              <a:t> </a:t>
-            </a:r>
-            <a:r>
-              <a:rPr lang="en-US" dirty="0" err="1" smtClean="0"/>
-              <a:t>membantu</a:t>
-            </a:r>
-            <a:r>
-              <a:rPr lang="en-US" dirty="0" smtClean="0"/>
-              <a:t> </a:t>
-            </a:r>
-            <a:r>
-              <a:rPr lang="en-US" dirty="0" err="1" smtClean="0"/>
-              <a:t>memberikan</a:t>
-            </a:r>
-            <a:r>
-              <a:rPr lang="en-US" dirty="0" smtClean="0"/>
-              <a:t> </a:t>
-            </a:r>
-            <a:r>
-              <a:rPr lang="en-US" dirty="0" err="1" smtClean="0"/>
-              <a:t>informasi</a:t>
-            </a:r>
-            <a:r>
-              <a:rPr lang="en-US" dirty="0" smtClean="0"/>
-              <a:t> yang </a:t>
-            </a:r>
-            <a:r>
-              <a:rPr lang="en-US" dirty="0" err="1" smtClean="0"/>
-              <a:t>akurat</a:t>
-            </a:r>
-            <a:r>
-              <a:rPr lang="en-US" dirty="0" smtClean="0"/>
-              <a:t> </a:t>
-            </a:r>
-            <a:r>
-              <a:rPr lang="en-US" dirty="0" err="1" smtClean="0"/>
-              <a:t>mengenai</a:t>
-            </a:r>
-            <a:r>
-              <a:rPr lang="en-US" dirty="0" smtClean="0"/>
-              <a:t> </a:t>
-            </a:r>
-            <a:r>
-              <a:rPr lang="en-US" dirty="0" err="1" smtClean="0"/>
-              <a:t>ketersediaan</a:t>
-            </a:r>
-            <a:r>
-              <a:rPr lang="en-US" dirty="0" smtClean="0"/>
-              <a:t> </a:t>
-            </a:r>
-            <a:r>
-              <a:rPr lang="en-US" dirty="0" err="1" smtClean="0"/>
-              <a:t>barang</a:t>
-            </a:r>
-            <a:r>
-              <a:rPr lang="en-US" dirty="0" smtClean="0"/>
-              <a:t> yang </a:t>
-            </a:r>
-            <a:r>
-              <a:rPr lang="en-US" dirty="0" err="1" smtClean="0"/>
-              <a:t>ada</a:t>
-            </a:r>
-            <a:r>
-              <a:rPr lang="en-US" dirty="0" smtClean="0"/>
-              <a:t> </a:t>
-            </a:r>
-            <a:r>
-              <a:rPr lang="en-US" dirty="0" err="1" smtClean="0"/>
-              <a:t>di</a:t>
-            </a:r>
-            <a:r>
-              <a:rPr lang="en-US" dirty="0" smtClean="0"/>
-              <a:t> </a:t>
-            </a:r>
-            <a:r>
-              <a:rPr lang="en-US" dirty="0" err="1" smtClean="0"/>
-              <a:t>setiap</a:t>
-            </a:r>
-            <a:r>
-              <a:rPr lang="en-US" dirty="0" smtClean="0"/>
-              <a:t> </a:t>
-            </a:r>
-            <a:r>
-              <a:rPr lang="en-US" dirty="0" err="1" smtClean="0"/>
-              <a:t>toko</a:t>
+              <a:rPr lang="en-US" dirty="0" smtClean="0"/>
+              <a:t>WTB </a:t>
+            </a:r>
+            <a:r>
+              <a:rPr lang="en-US" dirty="0" err="1" smtClean="0"/>
+              <a:t>akan</a:t>
+            </a:r>
+            <a:r>
+              <a:rPr lang="en-US" dirty="0" smtClean="0"/>
+              <a:t> </a:t>
+            </a:r>
+            <a:r>
+              <a:rPr lang="en-US" dirty="0" err="1" smtClean="0"/>
+              <a:t>menunjukkan</a:t>
+            </a:r>
+            <a:r>
+              <a:rPr lang="en-US" dirty="0" smtClean="0"/>
+              <a:t> maps </a:t>
+            </a:r>
+            <a:r>
+              <a:rPr lang="en-US" dirty="0" err="1" smtClean="0"/>
+              <a:t>dari</a:t>
+            </a:r>
+            <a:r>
+              <a:rPr lang="en-US" dirty="0" smtClean="0"/>
+              <a:t> </a:t>
+            </a:r>
+            <a:r>
+              <a:rPr lang="en-US" dirty="0" err="1" smtClean="0"/>
+              <a:t>lokasi</a:t>
+            </a:r>
+            <a:r>
+              <a:rPr lang="en-US" dirty="0" smtClean="0"/>
+              <a:t> </a:t>
+            </a:r>
+            <a:r>
+              <a:rPr lang="en-US" dirty="0" err="1" smtClean="0"/>
+              <a:t>saat</a:t>
+            </a:r>
+            <a:r>
+              <a:rPr lang="en-US" dirty="0" smtClean="0"/>
+              <a:t> </a:t>
+            </a:r>
+            <a:r>
+              <a:rPr lang="en-US" dirty="0" err="1" smtClean="0"/>
+              <a:t>ini</a:t>
+            </a:r>
+            <a:r>
+              <a:rPr lang="en-US" dirty="0" smtClean="0"/>
+              <a:t> </a:t>
+            </a:r>
+            <a:r>
+              <a:rPr lang="en-US" dirty="0" err="1" smtClean="0"/>
+              <a:t>ke</a:t>
+            </a:r>
+            <a:r>
+              <a:rPr lang="en-US" dirty="0" smtClean="0"/>
+              <a:t> </a:t>
+            </a:r>
+            <a:r>
+              <a:rPr lang="en-US" dirty="0" err="1" smtClean="0"/>
+              <a:t>lokasi</a:t>
+            </a:r>
+            <a:r>
+              <a:rPr lang="en-US" dirty="0" smtClean="0"/>
+              <a:t> </a:t>
+            </a:r>
+            <a:r>
+              <a:rPr lang="en-US" dirty="0" err="1" smtClean="0"/>
+              <a:t>penjual</a:t>
             </a:r>
             <a:endParaRPr lang="en-US" dirty="0" smtClean="0"/>
           </a:p>
           <a:p>
             <a:r>
-              <a:rPr lang="en-US" dirty="0" err="1" smtClean="0"/>
-              <a:t>Aplikasi</a:t>
-            </a:r>
-            <a:r>
-              <a:rPr lang="en-US" dirty="0" smtClean="0"/>
-              <a:t> </a:t>
-            </a:r>
-            <a:r>
-              <a:rPr lang="en-US" dirty="0" err="1" smtClean="0"/>
-              <a:t>memberikan</a:t>
-            </a:r>
-            <a:r>
-              <a:rPr lang="en-US" dirty="0" smtClean="0"/>
-              <a:t> </a:t>
-            </a:r>
-            <a:r>
-              <a:rPr lang="en-US" dirty="0" err="1" smtClean="0"/>
-              <a:t>kemudahan</a:t>
-            </a:r>
-            <a:r>
-              <a:rPr lang="en-US" dirty="0" smtClean="0"/>
-              <a:t> </a:t>
-            </a:r>
-            <a:r>
-              <a:rPr lang="en-US" dirty="0" err="1" smtClean="0"/>
-              <a:t>dalam</a:t>
-            </a:r>
-            <a:r>
-              <a:rPr lang="en-US" dirty="0" smtClean="0"/>
-              <a:t> </a:t>
-            </a:r>
-            <a:r>
-              <a:rPr lang="en-US" dirty="0" err="1" smtClean="0"/>
-              <a:t>pemesanan</a:t>
-            </a:r>
-            <a:r>
-              <a:rPr lang="en-US" dirty="0" smtClean="0"/>
-              <a:t> </a:t>
-            </a:r>
-            <a:r>
-              <a:rPr lang="en-US" dirty="0" err="1" smtClean="0"/>
-              <a:t>jasa</a:t>
-            </a:r>
-            <a:r>
-              <a:rPr lang="en-US" dirty="0" smtClean="0"/>
-              <a:t>.</a:t>
-            </a:r>
-          </a:p>
-          <a:p>
-            <a:r>
-              <a:rPr lang="en-US" dirty="0" err="1" smtClean="0"/>
-              <a:t>Aplikasi</a:t>
-            </a:r>
-            <a:r>
-              <a:rPr lang="en-US" dirty="0" smtClean="0"/>
-              <a:t> </a:t>
-            </a:r>
-            <a:r>
-              <a:rPr lang="en-US" dirty="0" err="1" smtClean="0"/>
-              <a:t>menghubungkan</a:t>
-            </a:r>
-            <a:r>
-              <a:rPr lang="en-US" dirty="0" smtClean="0"/>
-              <a:t> </a:t>
-            </a:r>
-            <a:r>
-              <a:rPr lang="en-US" dirty="0" err="1" smtClean="0"/>
-              <a:t>langsung</a:t>
-            </a:r>
-            <a:r>
-              <a:rPr lang="en-US" dirty="0" smtClean="0"/>
-              <a:t> </a:t>
-            </a:r>
-            <a:r>
-              <a:rPr lang="en-US" dirty="0" err="1" smtClean="0"/>
-              <a:t>antara</a:t>
-            </a:r>
-            <a:r>
-              <a:rPr lang="en-US" dirty="0" smtClean="0"/>
-              <a:t> </a:t>
-            </a:r>
-            <a:r>
-              <a:rPr lang="en-US" dirty="0" err="1" smtClean="0"/>
-              <a:t>Pembeli</a:t>
-            </a:r>
-            <a:r>
-              <a:rPr lang="en-US" dirty="0" smtClean="0"/>
-              <a:t>/customer, </a:t>
-            </a:r>
-            <a:r>
-              <a:rPr lang="en-US" dirty="0" err="1" smtClean="0"/>
-              <a:t>Penjual</a:t>
-            </a:r>
-            <a:r>
-              <a:rPr lang="en-US" dirty="0" smtClean="0"/>
-              <a:t>/</a:t>
-            </a:r>
-            <a:r>
-              <a:rPr lang="en-US" dirty="0" err="1" smtClean="0"/>
-              <a:t>penyedia</a:t>
-            </a:r>
-            <a:r>
-              <a:rPr lang="en-US" dirty="0" smtClean="0"/>
-              <a:t> </a:t>
-            </a:r>
-            <a:r>
-              <a:rPr lang="en-US" dirty="0" err="1" smtClean="0"/>
-              <a:t>jasa</a:t>
+              <a:rPr lang="en-US" dirty="0" err="1"/>
+              <a:t>P</a:t>
+            </a:r>
+            <a:r>
+              <a:rPr lang="en-US" dirty="0" err="1" smtClean="0"/>
+              <a:t>embeli</a:t>
+            </a:r>
+            <a:r>
+              <a:rPr lang="en-US" dirty="0" smtClean="0"/>
+              <a:t> </a:t>
+            </a:r>
+            <a:r>
+              <a:rPr lang="en-US" dirty="0" err="1" smtClean="0"/>
+              <a:t>pergi</a:t>
+            </a:r>
+            <a:r>
+              <a:rPr lang="en-US" dirty="0" smtClean="0"/>
+              <a:t> </a:t>
+            </a:r>
+            <a:r>
+              <a:rPr lang="en-US" dirty="0" err="1"/>
+              <a:t>menuju</a:t>
+            </a:r>
+            <a:r>
+              <a:rPr lang="en-US" dirty="0"/>
+              <a:t> </a:t>
+            </a:r>
+            <a:r>
+              <a:rPr lang="en-US" dirty="0" err="1"/>
+              <a:t>ke</a:t>
+            </a:r>
+            <a:r>
+              <a:rPr lang="en-US" dirty="0"/>
+              <a:t> </a:t>
+            </a:r>
+            <a:r>
+              <a:rPr lang="en-US" dirty="0" err="1"/>
+              <a:t>lokasi</a:t>
+            </a:r>
+            <a:r>
+              <a:rPr lang="en-US" dirty="0"/>
+              <a:t> </a:t>
+            </a:r>
+            <a:r>
+              <a:rPr lang="en-US" dirty="0" err="1"/>
+              <a:t>penjual</a:t>
+            </a:r>
+            <a:r>
+              <a:rPr lang="en-US" dirty="0"/>
+              <a:t> </a:t>
+            </a:r>
+            <a:r>
+              <a:rPr lang="en-US" dirty="0" err="1"/>
+              <a:t>dan</a:t>
+            </a:r>
+            <a:r>
+              <a:rPr lang="en-US" dirty="0"/>
+              <a:t> </a:t>
+            </a:r>
+            <a:r>
+              <a:rPr lang="en-US" dirty="0" err="1" smtClean="0"/>
+              <a:t>melakukan</a:t>
+            </a:r>
+            <a:r>
+              <a:rPr lang="en-US" dirty="0" smtClean="0"/>
+              <a:t> </a:t>
+            </a:r>
+            <a:r>
+              <a:rPr lang="en-US" dirty="0" err="1" smtClean="0"/>
+              <a:t>transaksi</a:t>
+            </a:r>
+            <a:r>
+              <a:rPr lang="en-US" dirty="0" smtClean="0"/>
+              <a:t> </a:t>
+            </a:r>
+            <a:r>
+              <a:rPr lang="en-US" dirty="0" err="1" smtClean="0"/>
+              <a:t>dengan</a:t>
+            </a:r>
+            <a:r>
+              <a:rPr lang="en-US" dirty="0" smtClean="0"/>
+              <a:t> </a:t>
+            </a:r>
+            <a:r>
+              <a:rPr lang="en-US" dirty="0" err="1"/>
+              <a:t>penjual</a:t>
             </a:r>
             <a:endParaRPr lang="en-US" dirty="0" smtClean="0"/>
           </a:p>
           <a:p>
+            <a:pPr>
+              <a:buNone/>
+            </a:pPr>
             <a:endParaRPr lang="en-US" dirty="0"/>
           </a:p>
         </p:txBody>
@@ -4242,353 +3881,7 @@
     </p:spTree>
     <p:extLst>
       <p:ext uri="{BB962C8B-B14F-4D97-AF65-F5344CB8AC3E}">
-        <p14:creationId xmlns:p14="http://schemas.microsoft.com/office/powerpoint/2010/main" val="1009546295"/>
-      </p:ext>
-    </p:extLst>
-  </p:cSld>
-  <p:clrMapOvr>
-    <a:masterClrMapping/>
-  </p:clrMapOvr>
-</p:sld>
-</file>
-
-<file path=ppt/slides/slide2.xml><?xml version="1.0" encoding="utf-8"?>
-<p:sld xmlns:a="http://schemas.openxmlformats.org/drawingml/2006/main" xmlns:r="http://schemas.openxmlformats.org/officeDocument/2006/relationships" xmlns:p="http://schemas.openxmlformats.org/presentationml/2006/main">
-  <p:cSld>
-    <p:bg>
-      <p:bgPr>
-        <a:solidFill>
-          <a:srgbClr val="FBFBFB"/>
-        </a:solidFill>
-        <a:effectLst/>
-      </p:bgPr>
-    </p:bg>
-    <p:spTree>
-      <p:nvGrpSpPr>
-        <p:cNvPr id="1" name=""/>
-        <p:cNvGrpSpPr/>
-        <p:nvPr/>
-      </p:nvGrpSpPr>
-      <p:grpSpPr>
-        <a:xfrm>
-          <a:off x="0" y="0"/>
-          <a:ext cx="0" cy="0"/>
-          <a:chOff x="0" y="0"/>
-          <a:chExt cx="0" cy="0"/>
-        </a:xfrm>
-      </p:grpSpPr>
-      <p:sp>
-        <p:nvSpPr>
-          <p:cNvPr id="3" name="Content Placeholder 2"/>
-          <p:cNvSpPr>
-            <a:spLocks noGrp="1"/>
-          </p:cNvSpPr>
-          <p:nvPr>
-            <p:ph idx="1"/>
-          </p:nvPr>
-        </p:nvSpPr>
-        <p:spPr>
-          <a:xfrm>
-            <a:off x="876298" y="4612639"/>
-            <a:ext cx="10439400" cy="995681"/>
-          </a:xfrm>
-        </p:spPr>
-        <p:txBody>
-          <a:bodyPr/>
-          <a:lstStyle/>
-          <a:p>
-            <a:pPr>
-              <a:buNone/>
-            </a:pPr>
-            <a:r>
-              <a:rPr lang="en-US" dirty="0" smtClean="0"/>
-              <a:t>Where To Buy </a:t>
-            </a:r>
-            <a:r>
-              <a:rPr lang="en-US" dirty="0" err="1" smtClean="0"/>
-              <a:t>adalah</a:t>
-            </a:r>
-            <a:r>
-              <a:rPr lang="en-US" dirty="0" smtClean="0"/>
-              <a:t> </a:t>
-            </a:r>
-            <a:r>
-              <a:rPr lang="en-US" dirty="0" err="1"/>
-              <a:t>a</a:t>
-            </a:r>
-            <a:r>
-              <a:rPr lang="en-US" dirty="0" err="1" smtClean="0"/>
-              <a:t>plikasi</a:t>
-            </a:r>
-            <a:r>
-              <a:rPr lang="en-US" dirty="0" smtClean="0"/>
-              <a:t> Android yang </a:t>
-            </a:r>
-            <a:r>
-              <a:rPr lang="en-US" dirty="0" err="1" smtClean="0"/>
-              <a:t>dibangun</a:t>
-            </a:r>
-            <a:r>
-              <a:rPr lang="en-US" dirty="0" smtClean="0"/>
-              <a:t> </a:t>
-            </a:r>
-            <a:r>
-              <a:rPr lang="en-US" dirty="0" err="1" smtClean="0"/>
-              <a:t>untuk</a:t>
-            </a:r>
-            <a:r>
-              <a:rPr lang="en-US" dirty="0" smtClean="0"/>
-              <a:t> </a:t>
-            </a:r>
-            <a:r>
-              <a:rPr lang="en-US" dirty="0" err="1" smtClean="0"/>
-              <a:t>melakukan</a:t>
-            </a:r>
-            <a:r>
-              <a:rPr lang="en-US" dirty="0" smtClean="0"/>
-              <a:t> </a:t>
-            </a:r>
-            <a:r>
-              <a:rPr lang="en-US" dirty="0" err="1" smtClean="0"/>
-              <a:t>transaksi</a:t>
-            </a:r>
-            <a:r>
-              <a:rPr lang="en-US" dirty="0" smtClean="0"/>
-              <a:t> </a:t>
-            </a:r>
-            <a:r>
-              <a:rPr lang="en-US" dirty="0" err="1" smtClean="0"/>
-              <a:t>barang</a:t>
-            </a:r>
-            <a:r>
-              <a:rPr lang="en-US" dirty="0" smtClean="0"/>
-              <a:t> </a:t>
-            </a:r>
-            <a:r>
-              <a:rPr lang="en-US" dirty="0" err="1" smtClean="0"/>
-              <a:t>dan</a:t>
-            </a:r>
-            <a:r>
-              <a:rPr lang="en-US" dirty="0" smtClean="0"/>
-              <a:t> </a:t>
-            </a:r>
-            <a:r>
-              <a:rPr lang="en-US" dirty="0" err="1" smtClean="0"/>
-              <a:t>jasa</a:t>
-            </a:r>
-            <a:r>
-              <a:rPr lang="en-US" dirty="0" smtClean="0"/>
-              <a:t> yang </a:t>
-            </a:r>
-            <a:r>
-              <a:rPr lang="en-US" dirty="0" err="1" smtClean="0"/>
-              <a:t>berada</a:t>
-            </a:r>
-            <a:r>
-              <a:rPr lang="en-US" dirty="0" smtClean="0"/>
-              <a:t> </a:t>
-            </a:r>
-            <a:r>
-              <a:rPr lang="en-US" dirty="0" err="1" smtClean="0"/>
-              <a:t>dalam</a:t>
-            </a:r>
-            <a:r>
-              <a:rPr lang="en-US" dirty="0" smtClean="0"/>
-              <a:t> </a:t>
-            </a:r>
-            <a:r>
-              <a:rPr lang="en-US" dirty="0" err="1" smtClean="0"/>
-              <a:t>daerah</a:t>
-            </a:r>
-            <a:r>
-              <a:rPr lang="en-US" dirty="0" smtClean="0"/>
-              <a:t> </a:t>
-            </a:r>
-            <a:r>
-              <a:rPr lang="en-US" dirty="0" err="1" smtClean="0"/>
-              <a:t>tertentu</a:t>
-            </a:r>
-            <a:r>
-              <a:rPr lang="en-US" dirty="0" smtClean="0"/>
-              <a:t>.</a:t>
-            </a:r>
-            <a:endParaRPr lang="en-US" dirty="0"/>
-          </a:p>
-        </p:txBody>
-      </p:sp>
-      <p:pic>
-        <p:nvPicPr>
-          <p:cNvPr id="2052" name="Picture 4" descr="Image result for shake hand"/>
-          <p:cNvPicPr>
-            <a:picLocks noChangeAspect="1" noChangeArrowheads="1"/>
-          </p:cNvPicPr>
-          <p:nvPr/>
-        </p:nvPicPr>
-        <p:blipFill rotWithShape="1">
-          <a:blip r:embed="rId2">
-            <a:extLst>
-              <a:ext uri="{28A0092B-C50C-407E-A947-70E740481C1C}">
-                <a14:useLocalDpi xmlns:a14="http://schemas.microsoft.com/office/drawing/2010/main" val="0"/>
-              </a:ext>
-            </a:extLst>
-          </a:blip>
-          <a:srcRect t="36000" b="34971"/>
-          <a:stretch/>
-        </p:blipFill>
-        <p:spPr bwMode="auto">
-          <a:xfrm>
-            <a:off x="1" y="-10161"/>
-            <a:ext cx="12191999" cy="2831465"/>
-          </a:xfrm>
-          <a:prstGeom prst="rect">
-            <a:avLst/>
-          </a:prstGeom>
-          <a:noFill/>
-          <a:extLst>
-            <a:ext uri="{909E8E84-426E-40DD-AFC4-6F175D3DCCD1}">
-              <a14:hiddenFill xmlns:a14="http://schemas.microsoft.com/office/drawing/2010/main">
-                <a:solidFill>
-                  <a:srgbClr val="FFFFFF"/>
-                </a:solidFill>
-              </a14:hiddenFill>
-            </a:ext>
-          </a:extLst>
-        </p:spPr>
-      </p:pic>
-      <p:sp>
-        <p:nvSpPr>
-          <p:cNvPr id="8" name="Rectangle 7"/>
-          <p:cNvSpPr/>
-          <p:nvPr/>
-        </p:nvSpPr>
-        <p:spPr>
-          <a:xfrm>
-            <a:off x="0" y="-13639"/>
-            <a:ext cx="12192000" cy="2834944"/>
-          </a:xfrm>
-          <a:prstGeom prst="rect">
-            <a:avLst/>
-          </a:prstGeom>
-          <a:solidFill>
-            <a:srgbClr val="003250">
-              <a:alpha val="85098"/>
-            </a:srgbClr>
-          </a:solidFill>
-          <a:ln>
-            <a:noFill/>
-          </a:ln>
-        </p:spPr>
-        <p:style>
-          <a:lnRef idx="2">
-            <a:schemeClr val="accent1">
-              <a:shade val="50000"/>
-            </a:schemeClr>
-          </a:lnRef>
-          <a:fillRef idx="1">
-            <a:schemeClr val="accent1"/>
-          </a:fillRef>
-          <a:effectRef idx="0">
-            <a:schemeClr val="accent1"/>
-          </a:effectRef>
-          <a:fontRef idx="minor">
-            <a:schemeClr val="lt1"/>
-          </a:fontRef>
-        </p:style>
-        <p:txBody>
-          <a:bodyPr rtlCol="0" anchor="ctr"/>
-          <a:lstStyle/>
-          <a:p>
-            <a:pPr algn="ctr"/>
-            <a:endParaRPr lang="en-US" dirty="0"/>
-          </a:p>
-        </p:txBody>
-      </p:sp>
-      <p:sp>
-        <p:nvSpPr>
-          <p:cNvPr id="9" name="Right Triangle 8"/>
-          <p:cNvSpPr/>
-          <p:nvPr/>
-        </p:nvSpPr>
-        <p:spPr>
-          <a:xfrm rot="18900000">
-            <a:off x="5645956" y="2371262"/>
-            <a:ext cx="900085" cy="900085"/>
-          </a:xfrm>
-          <a:prstGeom prst="rtTriangle">
-            <a:avLst/>
-          </a:prstGeom>
-          <a:solidFill>
-            <a:srgbClr val="E0BD00"/>
-          </a:solidFill>
-          <a:ln>
-            <a:noFill/>
-          </a:ln>
-        </p:spPr>
-        <p:style>
-          <a:lnRef idx="2">
-            <a:schemeClr val="accent1">
-              <a:shade val="50000"/>
-            </a:schemeClr>
-          </a:lnRef>
-          <a:fillRef idx="1">
-            <a:schemeClr val="accent1"/>
-          </a:fillRef>
-          <a:effectRef idx="0">
-            <a:schemeClr val="accent1"/>
-          </a:effectRef>
-          <a:fontRef idx="minor">
-            <a:schemeClr val="lt1"/>
-          </a:fontRef>
-        </p:style>
-        <p:txBody>
-          <a:bodyPr rtlCol="0" anchor="ctr"/>
-          <a:lstStyle/>
-          <a:p>
-            <a:pPr algn="ctr"/>
-            <a:endParaRPr lang="en-US" dirty="0"/>
-          </a:p>
-        </p:txBody>
-      </p:sp>
-      <p:sp>
-        <p:nvSpPr>
-          <p:cNvPr id="2" name="Title 1"/>
-          <p:cNvSpPr>
-            <a:spLocks noGrp="1"/>
-          </p:cNvSpPr>
-          <p:nvPr>
-            <p:ph type="title"/>
-          </p:nvPr>
-        </p:nvSpPr>
-        <p:spPr>
-          <a:xfrm>
-            <a:off x="4465379" y="840407"/>
-            <a:ext cx="3388242" cy="1126852"/>
-          </a:xfrm>
-        </p:spPr>
-        <p:txBody>
-          <a:bodyPr/>
-          <a:lstStyle/>
-          <a:p>
-            <a:r>
-              <a:rPr lang="en-US" dirty="0" smtClean="0">
-                <a:solidFill>
-                  <a:schemeClr val="bg1"/>
-                </a:solidFill>
-              </a:rPr>
-              <a:t>What is WTB?</a:t>
-            </a:r>
-            <a:endParaRPr lang="en-US" dirty="0">
-              <a:solidFill>
-                <a:schemeClr val="bg1"/>
-              </a:solidFill>
-            </a:endParaRPr>
-          </a:p>
-        </p:txBody>
-      </p:sp>
-    </p:spTree>
-    <p:extLst>
-      <p:ext uri="{BB962C8B-B14F-4D97-AF65-F5344CB8AC3E}">
-        <p14:creationId xmlns:p14="http://schemas.microsoft.com/office/powerpoint/2010/main" val="3638449304"/>
+        <p14:creationId xmlns:p14="http://schemas.microsoft.com/office/powerpoint/2010/main" val="2657378463"/>
       </p:ext>
     </p:extLst>
   </p:cSld>
@@ -4605,7 +3898,790 @@
 </p:sld>
 </file>
 
-<file path=ppt/slides/slide3.xml><?xml version="1.0" encoding="utf-8"?>
+<file path=ppt/slides/slide14.xml><?xml version="1.0" encoding="utf-8"?>
+<p:sld xmlns:a="http://schemas.openxmlformats.org/drawingml/2006/main" xmlns:r="http://schemas.openxmlformats.org/officeDocument/2006/relationships" xmlns:p="http://schemas.openxmlformats.org/presentationml/2006/main">
+  <p:cSld>
+    <p:spTree>
+      <p:nvGrpSpPr>
+        <p:cNvPr id="1" name=""/>
+        <p:cNvGrpSpPr/>
+        <p:nvPr/>
+      </p:nvGrpSpPr>
+      <p:grpSpPr>
+        <a:xfrm>
+          <a:off x="0" y="0"/>
+          <a:ext cx="0" cy="0"/>
+          <a:chOff x="0" y="0"/>
+          <a:chExt cx="0" cy="0"/>
+        </a:xfrm>
+      </p:grpSpPr>
+      <p:sp>
+        <p:nvSpPr>
+          <p:cNvPr id="2" name="Title 1"/>
+          <p:cNvSpPr>
+            <a:spLocks noGrp="1"/>
+          </p:cNvSpPr>
+          <p:nvPr>
+            <p:ph type="title"/>
+          </p:nvPr>
+        </p:nvSpPr>
+        <p:spPr/>
+        <p:txBody>
+          <a:bodyPr/>
+          <a:lstStyle/>
+          <a:p>
+            <a:r>
+              <a:rPr lang="en-US" dirty="0" err="1"/>
+              <a:t>Mekanisme</a:t>
+            </a:r>
+            <a:r>
+              <a:rPr lang="en-US" dirty="0"/>
+              <a:t> </a:t>
+            </a:r>
+            <a:r>
+              <a:rPr lang="en-US" dirty="0" smtClean="0"/>
+              <a:t>2</a:t>
+            </a:r>
+            <a:endParaRPr lang="en-US" dirty="0"/>
+          </a:p>
+        </p:txBody>
+      </p:sp>
+      <p:sp>
+        <p:nvSpPr>
+          <p:cNvPr id="3" name="Content Placeholder 2"/>
+          <p:cNvSpPr>
+            <a:spLocks noGrp="1"/>
+          </p:cNvSpPr>
+          <p:nvPr>
+            <p:ph idx="1"/>
+          </p:nvPr>
+        </p:nvSpPr>
+        <p:spPr/>
+        <p:txBody>
+          <a:bodyPr/>
+          <a:lstStyle/>
+          <a:p>
+            <a:r>
+              <a:rPr lang="en-US" dirty="0" smtClean="0"/>
+              <a:t>Customer </a:t>
+            </a:r>
+            <a:r>
+              <a:rPr lang="en-US" dirty="0" err="1" smtClean="0"/>
+              <a:t>mencari</a:t>
+            </a:r>
+            <a:r>
+              <a:rPr lang="en-US" dirty="0" smtClean="0"/>
+              <a:t> </a:t>
+            </a:r>
+            <a:r>
+              <a:rPr lang="en-US" dirty="0" err="1" smtClean="0"/>
+              <a:t>jasa</a:t>
+            </a:r>
+            <a:r>
+              <a:rPr lang="en-US" dirty="0" smtClean="0"/>
+              <a:t> yang di </a:t>
+            </a:r>
+            <a:r>
+              <a:rPr lang="en-US" dirty="0" err="1" smtClean="0"/>
+              <a:t>inginkan</a:t>
+            </a:r>
+            <a:r>
+              <a:rPr lang="en-US" dirty="0" smtClean="0"/>
+              <a:t> </a:t>
+            </a:r>
+            <a:r>
+              <a:rPr lang="en-US" dirty="0" err="1" smtClean="0"/>
+              <a:t>yaitu</a:t>
+            </a:r>
+            <a:r>
+              <a:rPr lang="en-US" dirty="0" smtClean="0"/>
+              <a:t> </a:t>
+            </a:r>
+            <a:r>
+              <a:rPr lang="en-US" dirty="0" err="1" smtClean="0"/>
+              <a:t>jasa</a:t>
+            </a:r>
+            <a:r>
+              <a:rPr lang="en-US" dirty="0" smtClean="0"/>
+              <a:t> service </a:t>
+            </a:r>
+            <a:r>
+              <a:rPr lang="en-US" dirty="0"/>
+              <a:t>a</a:t>
+            </a:r>
+            <a:r>
+              <a:rPr lang="en-US" dirty="0" smtClean="0"/>
+              <a:t>c </a:t>
+            </a:r>
+          </a:p>
+          <a:p>
+            <a:r>
+              <a:rPr lang="en-US" dirty="0" err="1"/>
+              <a:t>Masuk</a:t>
+            </a:r>
+            <a:r>
+              <a:rPr lang="en-US" dirty="0"/>
+              <a:t> </a:t>
+            </a:r>
+            <a:r>
+              <a:rPr lang="en-US" dirty="0" err="1"/>
+              <a:t>ke</a:t>
+            </a:r>
+            <a:r>
+              <a:rPr lang="en-US" dirty="0"/>
+              <a:t> </a:t>
+            </a:r>
+            <a:r>
+              <a:rPr lang="en-US" dirty="0" err="1"/>
+              <a:t>aplikasi</a:t>
+            </a:r>
+            <a:r>
+              <a:rPr lang="en-US" dirty="0"/>
+              <a:t> WTB </a:t>
+            </a:r>
+          </a:p>
+          <a:p>
+            <a:r>
+              <a:rPr lang="en-US" dirty="0" err="1"/>
+              <a:t>Mencari</a:t>
+            </a:r>
+            <a:r>
+              <a:rPr lang="en-US" dirty="0"/>
+              <a:t> </a:t>
+            </a:r>
+            <a:r>
+              <a:rPr lang="en-US" dirty="0" err="1" smtClean="0"/>
+              <a:t>jasa</a:t>
+            </a:r>
+            <a:r>
+              <a:rPr lang="en-US" dirty="0" smtClean="0"/>
+              <a:t> </a:t>
+            </a:r>
+            <a:r>
+              <a:rPr lang="en-US" dirty="0" err="1" smtClean="0"/>
+              <a:t>sesuai</a:t>
+            </a:r>
+            <a:r>
+              <a:rPr lang="en-US" dirty="0" smtClean="0"/>
+              <a:t> </a:t>
+            </a:r>
+            <a:r>
+              <a:rPr lang="en-US" dirty="0" err="1" smtClean="0"/>
+              <a:t>nama</a:t>
+            </a:r>
+            <a:r>
+              <a:rPr lang="en-US" dirty="0" smtClean="0"/>
+              <a:t> </a:t>
+            </a:r>
+            <a:r>
+              <a:rPr lang="en-US" dirty="0" err="1"/>
+              <a:t>jasa</a:t>
+            </a:r>
+            <a:r>
+              <a:rPr lang="en-US" dirty="0"/>
+              <a:t> </a:t>
+            </a:r>
+          </a:p>
+          <a:p>
+            <a:r>
+              <a:rPr lang="en-US" dirty="0" err="1"/>
+              <a:t>Mendapatkan</a:t>
+            </a:r>
+            <a:r>
+              <a:rPr lang="en-US" dirty="0"/>
+              <a:t> </a:t>
+            </a:r>
+            <a:r>
+              <a:rPr lang="en-US" dirty="0" err="1"/>
+              <a:t>jasa</a:t>
+            </a:r>
+            <a:r>
+              <a:rPr lang="en-US" dirty="0"/>
+              <a:t> </a:t>
+            </a:r>
+            <a:r>
+              <a:rPr lang="en-US" dirty="0" err="1" smtClean="0"/>
+              <a:t>sesuai</a:t>
+            </a:r>
+            <a:r>
+              <a:rPr lang="en-US" dirty="0" smtClean="0"/>
+              <a:t> </a:t>
+            </a:r>
+            <a:r>
+              <a:rPr lang="en-US" dirty="0" err="1"/>
+              <a:t>pencarian</a:t>
+            </a:r>
+            <a:endParaRPr lang="en-US" dirty="0"/>
+          </a:p>
+          <a:p>
+            <a:r>
+              <a:rPr lang="en-US" dirty="0" err="1"/>
+              <a:t>Memilih</a:t>
+            </a:r>
+            <a:r>
+              <a:rPr lang="en-US" dirty="0"/>
+              <a:t> </a:t>
+            </a:r>
+            <a:r>
+              <a:rPr lang="en-US" dirty="0" err="1"/>
+              <a:t>jasa</a:t>
+            </a:r>
+            <a:r>
+              <a:rPr lang="en-US" dirty="0"/>
+              <a:t> </a:t>
+            </a:r>
+            <a:r>
+              <a:rPr lang="en-US" dirty="0" smtClean="0"/>
+              <a:t>yang </a:t>
+            </a:r>
+            <a:r>
+              <a:rPr lang="en-US" dirty="0" err="1"/>
+              <a:t>sesuai</a:t>
+            </a:r>
+            <a:r>
+              <a:rPr lang="en-US" dirty="0"/>
+              <a:t> </a:t>
+            </a:r>
+            <a:r>
+              <a:rPr lang="en-US" dirty="0" err="1"/>
+              <a:t>dengan</a:t>
+            </a:r>
+            <a:r>
+              <a:rPr lang="en-US" dirty="0"/>
+              <a:t> </a:t>
+            </a:r>
+            <a:r>
+              <a:rPr lang="en-US" dirty="0" err="1"/>
+              <a:t>keinginan</a:t>
+            </a:r>
+            <a:endParaRPr lang="en-US" dirty="0"/>
+          </a:p>
+          <a:p>
+            <a:r>
+              <a:rPr lang="en-US" dirty="0" err="1" smtClean="0"/>
+              <a:t>Memesan</a:t>
+            </a:r>
+            <a:r>
+              <a:rPr lang="en-US" dirty="0" smtClean="0"/>
+              <a:t> </a:t>
+            </a:r>
+            <a:r>
+              <a:rPr lang="en-US" dirty="0" err="1" smtClean="0"/>
+              <a:t>jasa</a:t>
+            </a:r>
+            <a:r>
+              <a:rPr lang="en-US" dirty="0" smtClean="0"/>
+              <a:t> </a:t>
+            </a:r>
+            <a:r>
+              <a:rPr lang="en-US" dirty="0" err="1" smtClean="0"/>
+              <a:t>melalui</a:t>
+            </a:r>
+            <a:r>
+              <a:rPr lang="en-US" dirty="0" smtClean="0"/>
+              <a:t> chat </a:t>
+            </a:r>
+            <a:r>
+              <a:rPr lang="en-US" dirty="0" err="1" smtClean="0"/>
+              <a:t>atau</a:t>
+            </a:r>
+            <a:r>
+              <a:rPr lang="en-US" dirty="0" smtClean="0"/>
+              <a:t> </a:t>
+            </a:r>
+            <a:r>
+              <a:rPr lang="en-US" dirty="0" err="1" smtClean="0"/>
+              <a:t>telepon</a:t>
+            </a:r>
+            <a:r>
+              <a:rPr lang="en-US" dirty="0" smtClean="0"/>
+              <a:t> </a:t>
+            </a:r>
+          </a:p>
+          <a:p>
+            <a:endParaRPr lang="en-US" dirty="0" smtClean="0"/>
+          </a:p>
+          <a:p>
+            <a:endParaRPr lang="en-US" dirty="0"/>
+          </a:p>
+        </p:txBody>
+      </p:sp>
+    </p:spTree>
+    <p:extLst>
+      <p:ext uri="{BB962C8B-B14F-4D97-AF65-F5344CB8AC3E}">
+        <p14:creationId xmlns:p14="http://schemas.microsoft.com/office/powerpoint/2010/main" val="3283871019"/>
+      </p:ext>
+    </p:extLst>
+  </p:cSld>
+  <p:clrMapOvr>
+    <a:masterClrMapping/>
+  </p:clrMapOvr>
+  <p:timing>
+    <p:tnLst>
+      <p:par>
+        <p:cTn id="1" dur="indefinite" restart="never" nodeType="tmRoot"/>
+      </p:par>
+    </p:tnLst>
+  </p:timing>
+</p:sld>
+</file>
+
+<file path=ppt/slides/slide15.xml><?xml version="1.0" encoding="utf-8"?>
+<p:sld xmlns:a="http://schemas.openxmlformats.org/drawingml/2006/main" xmlns:r="http://schemas.openxmlformats.org/officeDocument/2006/relationships" xmlns:p="http://schemas.openxmlformats.org/presentationml/2006/main">
+  <p:cSld>
+    <p:spTree>
+      <p:nvGrpSpPr>
+        <p:cNvPr id="1" name=""/>
+        <p:cNvGrpSpPr/>
+        <p:nvPr/>
+      </p:nvGrpSpPr>
+      <p:grpSpPr>
+        <a:xfrm>
+          <a:off x="0" y="0"/>
+          <a:ext cx="0" cy="0"/>
+          <a:chOff x="0" y="0"/>
+          <a:chExt cx="0" cy="0"/>
+        </a:xfrm>
+      </p:grpSpPr>
+      <p:sp>
+        <p:nvSpPr>
+          <p:cNvPr id="2" name="Title 1"/>
+          <p:cNvSpPr>
+            <a:spLocks noGrp="1"/>
+          </p:cNvSpPr>
+          <p:nvPr>
+            <p:ph type="title"/>
+          </p:nvPr>
+        </p:nvSpPr>
+        <p:spPr/>
+        <p:txBody>
+          <a:bodyPr/>
+          <a:lstStyle/>
+          <a:p>
+            <a:r>
+              <a:rPr lang="en-US" dirty="0" err="1" smtClean="0"/>
+              <a:t>Rancangan</a:t>
+            </a:r>
+            <a:r>
+              <a:rPr lang="en-US" dirty="0" smtClean="0"/>
+              <a:t> </a:t>
+            </a:r>
+            <a:r>
+              <a:rPr lang="en-US" dirty="0" err="1" smtClean="0"/>
+              <a:t>Tambahan</a:t>
+            </a:r>
+            <a:endParaRPr lang="en-US" dirty="0"/>
+          </a:p>
+        </p:txBody>
+      </p:sp>
+      <p:sp>
+        <p:nvSpPr>
+          <p:cNvPr id="3" name="Content Placeholder 2"/>
+          <p:cNvSpPr>
+            <a:spLocks noGrp="1"/>
+          </p:cNvSpPr>
+          <p:nvPr>
+            <p:ph idx="1"/>
+          </p:nvPr>
+        </p:nvSpPr>
+        <p:spPr>
+          <a:xfrm>
+            <a:off x="1981200" y="1600201"/>
+            <a:ext cx="7696200" cy="4800599"/>
+          </a:xfrm>
+        </p:spPr>
+        <p:txBody>
+          <a:bodyPr/>
+          <a:lstStyle/>
+          <a:p>
+            <a:pPr>
+              <a:buNone/>
+            </a:pPr>
+            <a:r>
+              <a:rPr lang="en-US" dirty="0" err="1" smtClean="0"/>
+              <a:t>Sisi</a:t>
+            </a:r>
+            <a:r>
+              <a:rPr lang="en-US" dirty="0" smtClean="0"/>
+              <a:t> </a:t>
+            </a:r>
+            <a:r>
+              <a:rPr lang="en-US" dirty="0" err="1" smtClean="0"/>
+              <a:t>Aplikasi</a:t>
+            </a:r>
+            <a:r>
+              <a:rPr lang="en-US" dirty="0" smtClean="0"/>
+              <a:t> </a:t>
+            </a:r>
+          </a:p>
+          <a:p>
+            <a:r>
+              <a:rPr lang="en-US" dirty="0" err="1" smtClean="0"/>
+              <a:t>Fitur</a:t>
+            </a:r>
+            <a:r>
+              <a:rPr lang="en-US" dirty="0" smtClean="0"/>
+              <a:t> Delivery </a:t>
+            </a:r>
+          </a:p>
+          <a:p>
+            <a:r>
+              <a:rPr lang="en-US" dirty="0" smtClean="0"/>
+              <a:t>Virtual Payment </a:t>
+            </a:r>
+          </a:p>
+          <a:p>
+            <a:endParaRPr lang="en-US" dirty="0"/>
+          </a:p>
+          <a:p>
+            <a:pPr>
+              <a:buNone/>
+            </a:pPr>
+            <a:r>
+              <a:rPr lang="en-US" dirty="0" err="1" smtClean="0"/>
+              <a:t>Sisi</a:t>
+            </a:r>
+            <a:r>
+              <a:rPr lang="en-US" dirty="0" smtClean="0"/>
+              <a:t> Marketing </a:t>
+            </a:r>
+          </a:p>
+          <a:p>
+            <a:r>
+              <a:rPr lang="en-US" dirty="0" err="1" smtClean="0"/>
+              <a:t>Setahun</a:t>
+            </a:r>
+            <a:r>
+              <a:rPr lang="en-US" dirty="0" smtClean="0"/>
+              <a:t> gratis (</a:t>
+            </a:r>
+            <a:r>
+              <a:rPr lang="en-US" dirty="0" err="1" smtClean="0"/>
+              <a:t>kuota</a:t>
+            </a:r>
+            <a:r>
+              <a:rPr lang="en-US" dirty="0" smtClean="0"/>
+              <a:t> </a:t>
+            </a:r>
+            <a:r>
+              <a:rPr lang="en-US" dirty="0" err="1" smtClean="0"/>
+              <a:t>terbatas</a:t>
+            </a:r>
+            <a:r>
+              <a:rPr lang="en-US" dirty="0" smtClean="0"/>
+              <a:t>) </a:t>
+            </a:r>
+          </a:p>
+        </p:txBody>
+      </p:sp>
+    </p:spTree>
+    <p:extLst>
+      <p:ext uri="{BB962C8B-B14F-4D97-AF65-F5344CB8AC3E}">
+        <p14:creationId xmlns:p14="http://schemas.microsoft.com/office/powerpoint/2010/main" val="3242371326"/>
+      </p:ext>
+    </p:extLst>
+  </p:cSld>
+  <p:clrMapOvr>
+    <a:masterClrMapping/>
+  </p:clrMapOvr>
+  <p:timing>
+    <p:tnLst>
+      <p:par>
+        <p:cTn id="1" dur="indefinite" restart="never" nodeType="tmRoot"/>
+      </p:par>
+    </p:tnLst>
+  </p:timing>
+</p:sld>
+</file>
+
+<file path=ppt/slides/slide16.xml><?xml version="1.0" encoding="utf-8"?>
+<p:sld xmlns:a="http://schemas.openxmlformats.org/drawingml/2006/main" xmlns:r="http://schemas.openxmlformats.org/officeDocument/2006/relationships" xmlns:p="http://schemas.openxmlformats.org/presentationml/2006/main">
+  <p:cSld>
+    <p:spTree>
+      <p:nvGrpSpPr>
+        <p:cNvPr id="1" name=""/>
+        <p:cNvGrpSpPr/>
+        <p:nvPr/>
+      </p:nvGrpSpPr>
+      <p:grpSpPr>
+        <a:xfrm>
+          <a:off x="0" y="0"/>
+          <a:ext cx="0" cy="0"/>
+          <a:chOff x="0" y="0"/>
+          <a:chExt cx="0" cy="0"/>
+        </a:xfrm>
+      </p:grpSpPr>
+      <p:sp>
+        <p:nvSpPr>
+          <p:cNvPr id="2" name="Title 1"/>
+          <p:cNvSpPr>
+            <a:spLocks noGrp="1"/>
+          </p:cNvSpPr>
+          <p:nvPr>
+            <p:ph type="title"/>
+          </p:nvPr>
+        </p:nvSpPr>
+        <p:spPr/>
+        <p:txBody>
+          <a:bodyPr/>
+          <a:lstStyle/>
+          <a:p>
+            <a:r>
+              <a:rPr lang="en-US" dirty="0" err="1" smtClean="0"/>
+              <a:t>Kesimpulan</a:t>
+            </a:r>
+            <a:endParaRPr lang="en-US" dirty="0"/>
+          </a:p>
+        </p:txBody>
+      </p:sp>
+      <p:sp>
+        <p:nvSpPr>
+          <p:cNvPr id="3" name="Content Placeholder 2"/>
+          <p:cNvSpPr>
+            <a:spLocks noGrp="1"/>
+          </p:cNvSpPr>
+          <p:nvPr>
+            <p:ph idx="1"/>
+          </p:nvPr>
+        </p:nvSpPr>
+        <p:spPr/>
+        <p:txBody>
+          <a:bodyPr/>
+          <a:lstStyle/>
+          <a:p>
+            <a:r>
+              <a:rPr lang="en-US" dirty="0" err="1" smtClean="0"/>
+              <a:t>Aplikasi</a:t>
+            </a:r>
+            <a:r>
+              <a:rPr lang="en-US" dirty="0" smtClean="0"/>
+              <a:t> </a:t>
+            </a:r>
+            <a:r>
+              <a:rPr lang="en-US" dirty="0" err="1" smtClean="0"/>
+              <a:t>membantu</a:t>
+            </a:r>
+            <a:r>
+              <a:rPr lang="en-US" dirty="0" smtClean="0"/>
+              <a:t> </a:t>
+            </a:r>
+            <a:r>
+              <a:rPr lang="en-US" dirty="0" err="1" smtClean="0"/>
+              <a:t>memberikan</a:t>
+            </a:r>
+            <a:r>
+              <a:rPr lang="en-US" dirty="0" smtClean="0"/>
+              <a:t> </a:t>
+            </a:r>
+            <a:r>
+              <a:rPr lang="en-US" dirty="0" err="1" smtClean="0"/>
+              <a:t>informasi</a:t>
+            </a:r>
+            <a:r>
+              <a:rPr lang="en-US" dirty="0" smtClean="0"/>
+              <a:t> yang </a:t>
+            </a:r>
+            <a:r>
+              <a:rPr lang="en-US" dirty="0" err="1" smtClean="0"/>
+              <a:t>akurat</a:t>
+            </a:r>
+            <a:r>
+              <a:rPr lang="en-US" dirty="0" smtClean="0"/>
+              <a:t> </a:t>
+            </a:r>
+            <a:r>
+              <a:rPr lang="en-US" dirty="0" err="1" smtClean="0"/>
+              <a:t>mengenai</a:t>
+            </a:r>
+            <a:r>
+              <a:rPr lang="en-US" dirty="0" smtClean="0"/>
+              <a:t> </a:t>
+            </a:r>
+            <a:r>
+              <a:rPr lang="en-US" dirty="0" err="1" smtClean="0"/>
+              <a:t>ketersediaan</a:t>
+            </a:r>
+            <a:r>
+              <a:rPr lang="en-US" dirty="0" smtClean="0"/>
+              <a:t> </a:t>
+            </a:r>
+            <a:r>
+              <a:rPr lang="en-US" dirty="0" err="1" smtClean="0"/>
+              <a:t>barang</a:t>
+            </a:r>
+            <a:r>
+              <a:rPr lang="en-US" dirty="0" smtClean="0"/>
+              <a:t> yang </a:t>
+            </a:r>
+            <a:r>
+              <a:rPr lang="en-US" dirty="0" err="1" smtClean="0"/>
+              <a:t>ada</a:t>
+            </a:r>
+            <a:r>
+              <a:rPr lang="en-US" dirty="0" smtClean="0"/>
+              <a:t> </a:t>
+            </a:r>
+            <a:r>
+              <a:rPr lang="en-US" dirty="0" err="1" smtClean="0"/>
+              <a:t>di</a:t>
+            </a:r>
+            <a:r>
+              <a:rPr lang="en-US" dirty="0" smtClean="0"/>
+              <a:t> </a:t>
+            </a:r>
+            <a:r>
+              <a:rPr lang="en-US" dirty="0" err="1" smtClean="0"/>
+              <a:t>setiap</a:t>
+            </a:r>
+            <a:r>
+              <a:rPr lang="en-US" dirty="0" smtClean="0"/>
+              <a:t> </a:t>
+            </a:r>
+            <a:r>
+              <a:rPr lang="en-US" dirty="0" err="1" smtClean="0"/>
+              <a:t>toko</a:t>
+            </a:r>
+            <a:endParaRPr lang="en-US" dirty="0" smtClean="0"/>
+          </a:p>
+          <a:p>
+            <a:r>
+              <a:rPr lang="en-US" dirty="0" err="1" smtClean="0"/>
+              <a:t>Aplikasi</a:t>
+            </a:r>
+            <a:r>
+              <a:rPr lang="en-US" dirty="0" smtClean="0"/>
+              <a:t> </a:t>
+            </a:r>
+            <a:r>
+              <a:rPr lang="en-US" dirty="0" err="1" smtClean="0"/>
+              <a:t>memberikan</a:t>
+            </a:r>
+            <a:r>
+              <a:rPr lang="en-US" dirty="0" smtClean="0"/>
+              <a:t> </a:t>
+            </a:r>
+            <a:r>
+              <a:rPr lang="en-US" dirty="0" err="1" smtClean="0"/>
+              <a:t>kemudahan</a:t>
+            </a:r>
+            <a:r>
+              <a:rPr lang="en-US" dirty="0" smtClean="0"/>
+              <a:t> </a:t>
+            </a:r>
+            <a:r>
+              <a:rPr lang="en-US" dirty="0" err="1" smtClean="0"/>
+              <a:t>dalam</a:t>
+            </a:r>
+            <a:r>
+              <a:rPr lang="en-US" dirty="0" smtClean="0"/>
+              <a:t> </a:t>
+            </a:r>
+            <a:r>
+              <a:rPr lang="en-US" dirty="0" err="1" smtClean="0"/>
+              <a:t>pemesanan</a:t>
+            </a:r>
+            <a:r>
+              <a:rPr lang="en-US" dirty="0" smtClean="0"/>
+              <a:t> </a:t>
+            </a:r>
+            <a:r>
+              <a:rPr lang="en-US" dirty="0" err="1" smtClean="0"/>
+              <a:t>jasa</a:t>
+            </a:r>
+            <a:r>
+              <a:rPr lang="en-US" dirty="0" smtClean="0"/>
+              <a:t>.</a:t>
+            </a:r>
+          </a:p>
+          <a:p>
+            <a:r>
+              <a:rPr lang="en-US" dirty="0" err="1" smtClean="0"/>
+              <a:t>Aplikasi</a:t>
+            </a:r>
+            <a:r>
+              <a:rPr lang="en-US" dirty="0" smtClean="0"/>
+              <a:t> </a:t>
+            </a:r>
+            <a:r>
+              <a:rPr lang="en-US" dirty="0" err="1" smtClean="0"/>
+              <a:t>menghubungkan</a:t>
+            </a:r>
+            <a:r>
+              <a:rPr lang="en-US" dirty="0" smtClean="0"/>
+              <a:t> </a:t>
+            </a:r>
+            <a:r>
+              <a:rPr lang="en-US" dirty="0" err="1" smtClean="0"/>
+              <a:t>langsung</a:t>
+            </a:r>
+            <a:r>
+              <a:rPr lang="en-US" dirty="0" smtClean="0"/>
+              <a:t> </a:t>
+            </a:r>
+            <a:r>
+              <a:rPr lang="en-US" dirty="0" err="1" smtClean="0"/>
+              <a:t>antara</a:t>
+            </a:r>
+            <a:r>
+              <a:rPr lang="en-US" dirty="0" smtClean="0"/>
+              <a:t> </a:t>
+            </a:r>
+            <a:r>
+              <a:rPr lang="en-US" dirty="0" err="1" smtClean="0"/>
+              <a:t>Pembeli</a:t>
+            </a:r>
+            <a:r>
+              <a:rPr lang="en-US" dirty="0" smtClean="0"/>
+              <a:t>/customer, </a:t>
+            </a:r>
+            <a:r>
+              <a:rPr lang="en-US" dirty="0" err="1" smtClean="0"/>
+              <a:t>Penjual</a:t>
+            </a:r>
+            <a:r>
+              <a:rPr lang="en-US" dirty="0" smtClean="0"/>
+              <a:t>/</a:t>
+            </a:r>
+            <a:r>
+              <a:rPr lang="en-US" dirty="0" err="1" smtClean="0"/>
+              <a:t>penyedia</a:t>
+            </a:r>
+            <a:r>
+              <a:rPr lang="en-US" dirty="0" smtClean="0"/>
+              <a:t> </a:t>
+            </a:r>
+            <a:r>
+              <a:rPr lang="en-US" dirty="0" err="1" smtClean="0"/>
+              <a:t>jasa</a:t>
+            </a:r>
+            <a:endParaRPr lang="en-US" dirty="0" smtClean="0"/>
+          </a:p>
+          <a:p>
+            <a:endParaRPr lang="en-US" dirty="0"/>
+          </a:p>
+        </p:txBody>
+      </p:sp>
+    </p:spTree>
+    <p:extLst>
+      <p:ext uri="{BB962C8B-B14F-4D97-AF65-F5344CB8AC3E}">
+        <p14:creationId xmlns:p14="http://schemas.microsoft.com/office/powerpoint/2010/main" val="1009546295"/>
+      </p:ext>
+    </p:extLst>
+  </p:cSld>
+  <p:clrMapOvr>
+    <a:masterClrMapping/>
+  </p:clrMapOvr>
+  <p:timing>
+    <p:tnLst>
+      <p:par>
+        <p:cTn id="1" dur="indefinite" restart="never" nodeType="tmRoot"/>
+      </p:par>
+    </p:tnLst>
+  </p:timing>
+</p:sld>
+</file>
+
+<file path=ppt/slides/slide17.xml><?xml version="1.0" encoding="utf-8"?>
 <p:sld xmlns:a="http://schemas.openxmlformats.org/drawingml/2006/main" xmlns:r="http://schemas.openxmlformats.org/officeDocument/2006/relationships" xmlns:p="http://schemas.openxmlformats.org/presentationml/2006/main">
   <p:cSld>
     <p:spTree>
@@ -4798,10 +4874,382 @@
   <p:clrMapOvr>
     <a:masterClrMapping/>
   </p:clrMapOvr>
+  <p:timing>
+    <p:tnLst>
+      <p:par>
+        <p:cTn id="1" dur="indefinite" restart="never" nodeType="tmRoot"/>
+      </p:par>
+    </p:tnLst>
+  </p:timing>
 </p:sld>
 </file>
 
-<file path=ppt/slides/slide4.xml><?xml version="1.0" encoding="utf-8"?>
+<file path=ppt/slides/slide2.xml><?xml version="1.0" encoding="utf-8"?>
+<p:sld xmlns:a="http://schemas.openxmlformats.org/drawingml/2006/main" xmlns:r="http://schemas.openxmlformats.org/officeDocument/2006/relationships" xmlns:p="http://schemas.openxmlformats.org/presentationml/2006/main">
+  <p:cSld>
+    <p:bg>
+      <p:bgPr>
+        <a:solidFill>
+          <a:srgbClr val="FBFBFB"/>
+        </a:solidFill>
+        <a:effectLst/>
+      </p:bgPr>
+    </p:bg>
+    <p:spTree>
+      <p:nvGrpSpPr>
+        <p:cNvPr id="1" name=""/>
+        <p:cNvGrpSpPr/>
+        <p:nvPr/>
+      </p:nvGrpSpPr>
+      <p:grpSpPr>
+        <a:xfrm>
+          <a:off x="0" y="0"/>
+          <a:ext cx="0" cy="0"/>
+          <a:chOff x="0" y="0"/>
+          <a:chExt cx="0" cy="0"/>
+        </a:xfrm>
+      </p:grpSpPr>
+      <p:pic>
+        <p:nvPicPr>
+          <p:cNvPr id="2052" name="Picture 4" descr="Image result for shake hand"/>
+          <p:cNvPicPr>
+            <a:picLocks noChangeAspect="1" noChangeArrowheads="1"/>
+          </p:cNvPicPr>
+          <p:nvPr/>
+        </p:nvPicPr>
+        <p:blipFill rotWithShape="1">
+          <a:blip r:embed="rId2">
+            <a:extLst>
+              <a:ext uri="{28A0092B-C50C-407E-A947-70E740481C1C}">
+                <a14:useLocalDpi xmlns:a14="http://schemas.microsoft.com/office/drawing/2010/main" val="0"/>
+              </a:ext>
+            </a:extLst>
+          </a:blip>
+          <a:srcRect t="36000" b="34971"/>
+          <a:stretch/>
+        </p:blipFill>
+        <p:spPr bwMode="auto">
+          <a:xfrm>
+            <a:off x="1" y="-10161"/>
+            <a:ext cx="12191999" cy="2831465"/>
+          </a:xfrm>
+          <a:prstGeom prst="rect">
+            <a:avLst/>
+          </a:prstGeom>
+          <a:noFill/>
+          <a:extLst>
+            <a:ext uri="{909E8E84-426E-40DD-AFC4-6F175D3DCCD1}">
+              <a14:hiddenFill xmlns:a14="http://schemas.microsoft.com/office/drawing/2010/main">
+                <a:solidFill>
+                  <a:srgbClr val="FFFFFF"/>
+                </a:solidFill>
+              </a14:hiddenFill>
+            </a:ext>
+          </a:extLst>
+        </p:spPr>
+      </p:pic>
+      <p:sp>
+        <p:nvSpPr>
+          <p:cNvPr id="8" name="Rectangle 7"/>
+          <p:cNvSpPr/>
+          <p:nvPr/>
+        </p:nvSpPr>
+        <p:spPr>
+          <a:xfrm>
+            <a:off x="0" y="-13639"/>
+            <a:ext cx="12192000" cy="2834944"/>
+          </a:xfrm>
+          <a:prstGeom prst="rect">
+            <a:avLst/>
+          </a:prstGeom>
+          <a:solidFill>
+            <a:srgbClr val="003250">
+              <a:alpha val="85098"/>
+            </a:srgbClr>
+          </a:solidFill>
+          <a:ln>
+            <a:noFill/>
+          </a:ln>
+        </p:spPr>
+        <p:style>
+          <a:lnRef idx="2">
+            <a:schemeClr val="accent1">
+              <a:shade val="50000"/>
+            </a:schemeClr>
+          </a:lnRef>
+          <a:fillRef idx="1">
+            <a:schemeClr val="accent1"/>
+          </a:fillRef>
+          <a:effectRef idx="0">
+            <a:schemeClr val="accent1"/>
+          </a:effectRef>
+          <a:fontRef idx="minor">
+            <a:schemeClr val="lt1"/>
+          </a:fontRef>
+        </p:style>
+        <p:txBody>
+          <a:bodyPr rtlCol="0" anchor="ctr"/>
+          <a:lstStyle/>
+          <a:p>
+            <a:pPr algn="ctr"/>
+            <a:endParaRPr lang="en-US" dirty="0"/>
+          </a:p>
+        </p:txBody>
+      </p:sp>
+      <p:sp>
+        <p:nvSpPr>
+          <p:cNvPr id="9" name="Right Triangle 8"/>
+          <p:cNvSpPr/>
+          <p:nvPr/>
+        </p:nvSpPr>
+        <p:spPr>
+          <a:xfrm rot="18900000">
+            <a:off x="5645956" y="2371262"/>
+            <a:ext cx="900085" cy="900085"/>
+          </a:xfrm>
+          <a:prstGeom prst="rtTriangle">
+            <a:avLst/>
+          </a:prstGeom>
+          <a:solidFill>
+            <a:srgbClr val="E0BD00"/>
+          </a:solidFill>
+          <a:ln>
+            <a:noFill/>
+          </a:ln>
+        </p:spPr>
+        <p:style>
+          <a:lnRef idx="2">
+            <a:schemeClr val="accent1">
+              <a:shade val="50000"/>
+            </a:schemeClr>
+          </a:lnRef>
+          <a:fillRef idx="1">
+            <a:schemeClr val="accent1"/>
+          </a:fillRef>
+          <a:effectRef idx="0">
+            <a:schemeClr val="accent1"/>
+          </a:effectRef>
+          <a:fontRef idx="minor">
+            <a:schemeClr val="lt1"/>
+          </a:fontRef>
+        </p:style>
+        <p:txBody>
+          <a:bodyPr rtlCol="0" anchor="ctr"/>
+          <a:lstStyle/>
+          <a:p>
+            <a:pPr algn="ctr"/>
+            <a:endParaRPr lang="en-US" dirty="0"/>
+          </a:p>
+        </p:txBody>
+      </p:sp>
+      <p:sp>
+        <p:nvSpPr>
+          <p:cNvPr id="2" name="Title 1"/>
+          <p:cNvSpPr>
+            <a:spLocks noGrp="1"/>
+          </p:cNvSpPr>
+          <p:nvPr>
+            <p:ph type="title"/>
+          </p:nvPr>
+        </p:nvSpPr>
+        <p:spPr>
+          <a:xfrm>
+            <a:off x="4465379" y="840407"/>
+            <a:ext cx="3388242" cy="1126852"/>
+          </a:xfrm>
+        </p:spPr>
+        <p:txBody>
+          <a:bodyPr/>
+          <a:lstStyle/>
+          <a:p>
+            <a:r>
+              <a:rPr lang="en-US" dirty="0" err="1" smtClean="0">
+                <a:solidFill>
+                  <a:schemeClr val="bg1"/>
+                </a:solidFill>
+              </a:rPr>
+              <a:t>Apa</a:t>
+            </a:r>
+            <a:r>
+              <a:rPr lang="en-US" dirty="0" smtClean="0">
+                <a:solidFill>
+                  <a:schemeClr val="bg1"/>
+                </a:solidFill>
+              </a:rPr>
+              <a:t> </a:t>
+            </a:r>
+            <a:r>
+              <a:rPr lang="en-US" dirty="0" err="1" smtClean="0">
+                <a:solidFill>
+                  <a:schemeClr val="bg1"/>
+                </a:solidFill>
+              </a:rPr>
+              <a:t>itu</a:t>
+            </a:r>
+            <a:r>
+              <a:rPr lang="en-US" dirty="0" smtClean="0">
+                <a:solidFill>
+                  <a:schemeClr val="bg1"/>
+                </a:solidFill>
+              </a:rPr>
+              <a:t> WTB?</a:t>
+            </a:r>
+            <a:endParaRPr lang="en-US" dirty="0">
+              <a:solidFill>
+                <a:schemeClr val="bg1"/>
+              </a:solidFill>
+            </a:endParaRPr>
+          </a:p>
+        </p:txBody>
+      </p:sp>
+      <p:sp>
+        <p:nvSpPr>
+          <p:cNvPr id="4" name="Rectangle 3"/>
+          <p:cNvSpPr/>
+          <p:nvPr/>
+        </p:nvSpPr>
+        <p:spPr>
+          <a:xfrm>
+            <a:off x="447038" y="4125575"/>
+            <a:ext cx="11297920" cy="954107"/>
+          </a:xfrm>
+          <a:prstGeom prst="rect">
+            <a:avLst/>
+          </a:prstGeom>
+        </p:spPr>
+        <p:txBody>
+          <a:bodyPr wrap="square">
+            <a:spAutoFit/>
+          </a:bodyPr>
+          <a:lstStyle/>
+          <a:p>
+            <a:pPr>
+              <a:buNone/>
+            </a:pPr>
+            <a:r>
+              <a:rPr lang="en-US" sz="2800" dirty="0"/>
+              <a:t>Where To Buy </a:t>
+            </a:r>
+            <a:r>
+              <a:rPr lang="en-US" sz="2800" dirty="0" err="1"/>
+              <a:t>adalah</a:t>
+            </a:r>
+            <a:r>
+              <a:rPr lang="en-US" sz="2800" dirty="0"/>
+              <a:t> </a:t>
+            </a:r>
+            <a:r>
+              <a:rPr lang="en-US" sz="2800" dirty="0" err="1"/>
+              <a:t>aplikasi</a:t>
+            </a:r>
+            <a:r>
+              <a:rPr lang="en-US" sz="2800" dirty="0"/>
+              <a:t> Android yang </a:t>
+            </a:r>
+            <a:r>
+              <a:rPr lang="en-US" sz="2800" dirty="0" err="1"/>
+              <a:t>dibangun</a:t>
+            </a:r>
+            <a:r>
+              <a:rPr lang="en-US" sz="2800" dirty="0"/>
+              <a:t> </a:t>
+            </a:r>
+            <a:r>
+              <a:rPr lang="en-US" sz="2800" dirty="0" err="1"/>
+              <a:t>untuk</a:t>
+            </a:r>
+            <a:r>
+              <a:rPr lang="en-US" sz="2800" dirty="0"/>
+              <a:t> </a:t>
+            </a:r>
+            <a:r>
+              <a:rPr lang="en-US" sz="2800" dirty="0" err="1" smtClean="0"/>
+              <a:t>menghubungkan</a:t>
+            </a:r>
+            <a:r>
+              <a:rPr lang="en-US" sz="2800" dirty="0" smtClean="0"/>
+              <a:t> </a:t>
+            </a:r>
+            <a:r>
+              <a:rPr lang="en-US" sz="2800" dirty="0" err="1"/>
+              <a:t>penjual</a:t>
+            </a:r>
+            <a:r>
+              <a:rPr lang="en-US" sz="2800" dirty="0"/>
+              <a:t> </a:t>
+            </a:r>
+            <a:r>
+              <a:rPr lang="en-US" sz="2800" dirty="0" err="1"/>
+              <a:t>dan</a:t>
+            </a:r>
+            <a:r>
+              <a:rPr lang="en-US" sz="2800" dirty="0"/>
+              <a:t> </a:t>
+            </a:r>
+            <a:r>
+              <a:rPr lang="en-US" sz="2800" dirty="0" err="1"/>
+              <a:t>pembeli</a:t>
+            </a:r>
+            <a:r>
+              <a:rPr lang="en-US" sz="2800" dirty="0"/>
+              <a:t> yang </a:t>
+            </a:r>
+            <a:r>
+              <a:rPr lang="en-US" sz="2800" dirty="0" err="1"/>
+              <a:t>berada</a:t>
+            </a:r>
+            <a:r>
+              <a:rPr lang="en-US" sz="2800" dirty="0"/>
+              <a:t> </a:t>
+            </a:r>
+            <a:r>
+              <a:rPr lang="en-US" sz="2800" dirty="0" err="1"/>
+              <a:t>dalam</a:t>
+            </a:r>
+            <a:r>
+              <a:rPr lang="en-US" sz="2800" dirty="0"/>
+              <a:t> </a:t>
+            </a:r>
+            <a:r>
+              <a:rPr lang="en-US" sz="2800" dirty="0" err="1"/>
+              <a:t>daerah</a:t>
+            </a:r>
+            <a:r>
+              <a:rPr lang="en-US" sz="2800" dirty="0"/>
+              <a:t> </a:t>
+            </a:r>
+            <a:r>
+              <a:rPr lang="en-US" sz="2800" dirty="0" err="1"/>
+              <a:t>tertentu</a:t>
+            </a:r>
+            <a:r>
+              <a:rPr lang="en-US" sz="2800" dirty="0"/>
+              <a:t>.</a:t>
+            </a:r>
+          </a:p>
+        </p:txBody>
+      </p:sp>
+    </p:spTree>
+    <p:extLst>
+      <p:ext uri="{BB962C8B-B14F-4D97-AF65-F5344CB8AC3E}">
+        <p14:creationId xmlns:p14="http://schemas.microsoft.com/office/powerpoint/2010/main" val="3638449304"/>
+      </p:ext>
+    </p:extLst>
+  </p:cSld>
+  <p:clrMapOvr>
+    <a:masterClrMapping/>
+  </p:clrMapOvr>
+  <p:timing>
+    <p:tnLst>
+      <p:par>
+        <p:cTn id="1" dur="indefinite" restart="never" nodeType="tmRoot"/>
+      </p:par>
+    </p:tnLst>
+  </p:timing>
+</p:sld>
+</file>
+
+<file path=ppt/slides/slide3.xml><?xml version="1.0" encoding="utf-8"?>
 <p:sld xmlns:a="http://schemas.openxmlformats.org/drawingml/2006/main" xmlns:r="http://schemas.openxmlformats.org/officeDocument/2006/relationships" xmlns:p="http://schemas.openxmlformats.org/presentationml/2006/main">
   <p:cSld>
     <p:spTree>
@@ -4834,8 +5282,16 @@
           <a:lstStyle/>
           <a:p>
             <a:r>
-              <a:rPr lang="en-US" dirty="0" smtClean="0"/>
-              <a:t>Background </a:t>
+              <a:rPr lang="en-US" dirty="0" err="1" smtClean="0"/>
+              <a:t>Latar</a:t>
+            </a:r>
+            <a:r>
+              <a:rPr lang="en-US" dirty="0" smtClean="0"/>
+              <a:t> </a:t>
+            </a:r>
+            <a:r>
+              <a:rPr lang="en-US" dirty="0" err="1" smtClean="0"/>
+              <a:t>belakang</a:t>
             </a:r>
             <a:endParaRPr lang="en-US" dirty="0"/>
           </a:p>
@@ -4904,11 +5360,7 @@
             <a:pPr lvl="1"/>
             <a:r>
               <a:rPr lang="en-US" dirty="0" err="1" smtClean="0"/>
-              <a:t>Pulang</a:t>
-            </a:r>
-            <a:r>
-              <a:rPr lang="en-US" dirty="0"/>
-              <a:t> </a:t>
+              <a:t>Beli</a:t>
             </a:r>
             <a:endParaRPr lang="en-US" dirty="0" smtClean="0"/>
           </a:p>
@@ -4956,12 +5408,9 @@
             <a:pPr lvl="1"/>
             <a:r>
               <a:rPr lang="en-US" dirty="0" err="1" smtClean="0"/>
-              <a:t>Beli</a:t>
-            </a:r>
-            <a:r>
-              <a:rPr lang="en-US" dirty="0" smtClean="0"/>
-              <a:t> </a:t>
-            </a:r>
+              <a:t>Pesan</a:t>
+            </a:r>
+            <a:endParaRPr lang="en-US" dirty="0" smtClean="0"/>
           </a:p>
           <a:p>
             <a:endParaRPr lang="en-US" dirty="0"/>
@@ -5092,8 +5541,8 @@
         </p:nvCxnSpPr>
         <p:spPr>
           <a:xfrm flipV="1">
-            <a:off x="3962400" y="4800600"/>
-            <a:ext cx="2286000" cy="838200"/>
+            <a:off x="2589376" y="4800600"/>
+            <a:ext cx="3659024" cy="87594"/>
           </a:xfrm>
           <a:prstGeom prst="bentConnector3">
             <a:avLst>
@@ -5141,7 +5590,7 @@
         </p:spPr>
         <p:txBody>
           <a:bodyPr vert="horz" lIns="91440" tIns="45720" rIns="91440" bIns="45720" rtlCol="0">
-            <a:normAutofit fontScale="55000" lnSpcReduction="20000"/>
+            <a:normAutofit fontScale="47500" lnSpcReduction="20000"/>
           </a:bodyPr>
           <a:lstStyle/>
           <a:p>
@@ -5154,20 +5603,32 @@
               <a:defRPr/>
             </a:pPr>
             <a:r>
-              <a:rPr lang="en-US" sz="3200" dirty="0" err="1"/>
-              <a:t>Stok</a:t>
-            </a:r>
-            <a:r>
-              <a:rPr lang="en-US" sz="3200" dirty="0"/>
-              <a:t> </a:t>
-            </a:r>
-            <a:r>
-              <a:rPr lang="en-US" sz="3200" dirty="0" err="1"/>
-              <a:t>habis</a:t>
-            </a:r>
-            <a:r>
-              <a:rPr lang="en-US" sz="3200" dirty="0"/>
-              <a:t> </a:t>
+              <a:rPr lang="en-US" sz="3200" dirty="0" smtClean="0"/>
+              <a:t>Ada </a:t>
+            </a:r>
+            <a:r>
+              <a:rPr lang="en-US" sz="3200" dirty="0" err="1" smtClean="0"/>
+              <a:t>barang</a:t>
+            </a:r>
+            <a:r>
+              <a:rPr lang="en-US" sz="3200" dirty="0" smtClean="0"/>
+              <a:t> (</a:t>
+            </a:r>
+            <a:r>
+              <a:rPr lang="en-US" sz="3200" dirty="0" err="1" smtClean="0"/>
+              <a:t>Menunggu</a:t>
+            </a:r>
+            <a:r>
+              <a:rPr lang="en-US" sz="3200" dirty="0" smtClean="0"/>
+              <a:t> </a:t>
+            </a:r>
+            <a:r>
+              <a:rPr lang="en-US" sz="3200" dirty="0" err="1" smtClean="0"/>
+              <a:t>pengiriman</a:t>
+            </a:r>
+            <a:r>
+              <a:rPr lang="en-US" sz="3200" dirty="0" smtClean="0"/>
+              <a:t>) </a:t>
             </a:r>
           </a:p>
           <a:p>
@@ -5180,16 +5641,16 @@
               <a:defRPr/>
             </a:pPr>
             <a:r>
+              <a:rPr lang="en-US" sz="3200" dirty="0" err="1" smtClean="0"/>
+              <a:t>Stok</a:t>
+            </a:r>
+            <a:r>
+              <a:rPr lang="en-US" sz="3200" dirty="0" smtClean="0"/>
+              <a:t> </a:t>
+            </a:r>
+            <a:r>
               <a:rPr lang="en-US" sz="3200" dirty="0" err="1"/>
-              <a:t>Menunggu</a:t>
-            </a:r>
-            <a:r>
-              <a:rPr lang="en-US" sz="3200" dirty="0"/>
-              <a:t> </a:t>
-            </a:r>
-            <a:r>
-              <a:rPr lang="en-US" sz="3200" dirty="0" err="1"/>
-              <a:t>pengiriman</a:t>
+              <a:t>habis</a:t>
             </a:r>
             <a:r>
               <a:rPr lang="en-US" sz="3200" dirty="0"/>
@@ -5208,6 +5669,184 @@
   <p:clrMapOvr>
     <a:masterClrMapping/>
   </p:clrMapOvr>
+  <p:timing>
+    <p:tnLst>
+      <p:par>
+        <p:cTn id="1" dur="indefinite" restart="never" nodeType="tmRoot"/>
+      </p:par>
+    </p:tnLst>
+  </p:timing>
+</p:sld>
+</file>
+
+<file path=ppt/slides/slide4.xml><?xml version="1.0" encoding="utf-8"?>
+<p:sld xmlns:a="http://schemas.openxmlformats.org/drawingml/2006/main" xmlns:r="http://schemas.openxmlformats.org/officeDocument/2006/relationships" xmlns:p="http://schemas.openxmlformats.org/presentationml/2006/main">
+  <p:cSld>
+    <p:spTree>
+      <p:nvGrpSpPr>
+        <p:cNvPr id="1" name=""/>
+        <p:cNvGrpSpPr/>
+        <p:nvPr/>
+      </p:nvGrpSpPr>
+      <p:grpSpPr>
+        <a:xfrm>
+          <a:off x="0" y="0"/>
+          <a:ext cx="0" cy="0"/>
+          <a:chOff x="0" y="0"/>
+          <a:chExt cx="0" cy="0"/>
+        </a:xfrm>
+      </p:grpSpPr>
+      <p:sp>
+        <p:nvSpPr>
+          <p:cNvPr id="2" name="Title 1"/>
+          <p:cNvSpPr>
+            <a:spLocks noGrp="1"/>
+          </p:cNvSpPr>
+          <p:nvPr>
+            <p:ph type="title"/>
+          </p:nvPr>
+        </p:nvSpPr>
+        <p:spPr/>
+        <p:txBody>
+          <a:bodyPr/>
+          <a:lstStyle/>
+          <a:p>
+            <a:r>
+              <a:rPr lang="en-US" dirty="0" err="1"/>
+              <a:t>Latar</a:t>
+            </a:r>
+            <a:r>
+              <a:rPr lang="en-US" dirty="0"/>
+              <a:t> </a:t>
+            </a:r>
+            <a:r>
+              <a:rPr lang="en-US" dirty="0" err="1" smtClean="0"/>
+              <a:t>belakang</a:t>
+            </a:r>
+            <a:endParaRPr lang="en-US" dirty="0"/>
+          </a:p>
+        </p:txBody>
+      </p:sp>
+      <p:sp>
+        <p:nvSpPr>
+          <p:cNvPr id="3" name="Content Placeholder 2"/>
+          <p:cNvSpPr>
+            <a:spLocks noGrp="1"/>
+          </p:cNvSpPr>
+          <p:nvPr>
+            <p:ph idx="1"/>
+          </p:nvPr>
+        </p:nvSpPr>
+        <p:spPr/>
+        <p:txBody>
+          <a:bodyPr/>
+          <a:lstStyle/>
+          <a:p>
+            <a:r>
+              <a:rPr lang="en-US" dirty="0" err="1" smtClean="0"/>
+              <a:t>Belanja</a:t>
+            </a:r>
+            <a:r>
+              <a:rPr lang="en-US" dirty="0" smtClean="0"/>
+              <a:t> WTB </a:t>
+            </a:r>
+          </a:p>
+          <a:p>
+            <a:pPr lvl="1"/>
+            <a:r>
+              <a:rPr lang="en-US" dirty="0" err="1" smtClean="0"/>
+              <a:t>Buka</a:t>
+            </a:r>
+            <a:r>
+              <a:rPr lang="en-US" dirty="0" smtClean="0"/>
+              <a:t> App </a:t>
+            </a:r>
+          </a:p>
+          <a:p>
+            <a:pPr lvl="1"/>
+            <a:r>
+              <a:rPr lang="en-US" dirty="0" err="1" smtClean="0"/>
+              <a:t>Cari</a:t>
+            </a:r>
+            <a:r>
+              <a:rPr lang="en-US" dirty="0" smtClean="0"/>
+              <a:t> </a:t>
+            </a:r>
+            <a:r>
+              <a:rPr lang="en-US" dirty="0" err="1" smtClean="0"/>
+              <a:t>barang</a:t>
+            </a:r>
+            <a:r>
+              <a:rPr lang="en-US" dirty="0" smtClean="0"/>
+              <a:t> </a:t>
+            </a:r>
+          </a:p>
+          <a:p>
+            <a:pPr lvl="1"/>
+            <a:r>
+              <a:rPr lang="en-US" dirty="0" err="1" smtClean="0"/>
+              <a:t>Cek</a:t>
+            </a:r>
+            <a:r>
+              <a:rPr lang="en-US" dirty="0" smtClean="0"/>
+              <a:t> </a:t>
+            </a:r>
+            <a:r>
+              <a:rPr lang="en-US" dirty="0" err="1" smtClean="0"/>
+              <a:t>stok</a:t>
+            </a:r>
+            <a:r>
+              <a:rPr lang="en-US" dirty="0" smtClean="0"/>
+              <a:t> </a:t>
+            </a:r>
+          </a:p>
+          <a:p>
+            <a:pPr lvl="1"/>
+            <a:r>
+              <a:rPr lang="en-US" dirty="0" err="1" smtClean="0"/>
+              <a:t>Datangi</a:t>
+            </a:r>
+            <a:r>
+              <a:rPr lang="en-US" dirty="0" smtClean="0"/>
+              <a:t> </a:t>
+            </a:r>
+            <a:r>
+              <a:rPr lang="en-US" dirty="0" err="1" smtClean="0"/>
+              <a:t>Toko</a:t>
+            </a:r>
+            <a:endParaRPr lang="en-US" dirty="0" smtClean="0"/>
+          </a:p>
+          <a:p>
+            <a:pPr lvl="1"/>
+            <a:r>
+              <a:rPr lang="en-US" dirty="0" err="1" smtClean="0"/>
+              <a:t>Beli</a:t>
+            </a:r>
+            <a:r>
+              <a:rPr lang="en-US" dirty="0" smtClean="0"/>
+              <a:t> </a:t>
+            </a:r>
+            <a:endParaRPr lang="en-US" dirty="0"/>
+          </a:p>
+        </p:txBody>
+      </p:sp>
+    </p:spTree>
+    <p:extLst>
+      <p:ext uri="{BB962C8B-B14F-4D97-AF65-F5344CB8AC3E}">
+        <p14:creationId xmlns:p14="http://schemas.microsoft.com/office/powerpoint/2010/main" val="975566167"/>
+      </p:ext>
+    </p:extLst>
+  </p:cSld>
+  <p:clrMapOvr>
+    <a:masterClrMapping/>
+  </p:clrMapOvr>
+  <p:timing>
+    <p:tnLst>
+      <p:par>
+        <p:cTn id="1" dur="indefinite" restart="never" nodeType="tmRoot"/>
+      </p:par>
+    </p:tnLst>
+  </p:timing>
 </p:sld>
 </file>
 
@@ -5243,6 +5882,14 @@
           <a:bodyPr/>
           <a:lstStyle/>
           <a:p>
+            <a:r>
+              <a:rPr lang="en-US" dirty="0" err="1" smtClean="0"/>
+              <a:t>Kenapa</a:t>
+            </a:r>
+            <a:r>
+              <a:rPr lang="en-US" dirty="0" smtClean="0"/>
+              <a:t> WTB?</a:t>
+            </a:r>
             <a:endParaRPr lang="en-US" dirty="0"/>
           </a:p>
         </p:txBody>
@@ -5264,94 +5911,49 @@
           <a:p>
             <a:r>
               <a:rPr lang="en-US" dirty="0" err="1" smtClean="0"/>
-              <a:t>Belanja</a:t>
-            </a:r>
-            <a:r>
-              <a:rPr lang="en-US" dirty="0" smtClean="0"/>
-              <a:t> WTB </a:t>
-            </a:r>
-          </a:p>
-          <a:p>
-            <a:pPr lvl="1"/>
-            <a:r>
-              <a:rPr lang="en-US" dirty="0" err="1" smtClean="0"/>
-              <a:t>Buka</a:t>
-            </a:r>
-            <a:r>
-              <a:rPr lang="en-US" dirty="0" smtClean="0"/>
-              <a:t> App </a:t>
-            </a:r>
-          </a:p>
-          <a:p>
-            <a:pPr lvl="1"/>
-            <a:r>
-              <a:rPr lang="en-US" dirty="0" err="1" smtClean="0"/>
-              <a:t>Cari</a:t>
-            </a:r>
-            <a:r>
-              <a:rPr lang="en-US" dirty="0" smtClean="0"/>
-              <a:t> </a:t>
-            </a:r>
-            <a:r>
-              <a:rPr lang="en-US" dirty="0" err="1" smtClean="0"/>
-              <a:t>barang</a:t>
-            </a:r>
-            <a:r>
-              <a:rPr lang="en-US" dirty="0" smtClean="0"/>
-              <a:t> </a:t>
-            </a:r>
-          </a:p>
-          <a:p>
-            <a:pPr lvl="1"/>
-            <a:r>
-              <a:rPr lang="en-US" dirty="0" err="1" smtClean="0"/>
-              <a:t>Cek</a:t>
-            </a:r>
-            <a:r>
-              <a:rPr lang="en-US" dirty="0" smtClean="0"/>
-              <a:t> </a:t>
-            </a:r>
-            <a:r>
-              <a:rPr lang="en-US" dirty="0" err="1" smtClean="0"/>
-              <a:t>stok</a:t>
-            </a:r>
-            <a:r>
-              <a:rPr lang="en-US" dirty="0" smtClean="0"/>
-              <a:t> </a:t>
-            </a:r>
-          </a:p>
-          <a:p>
-            <a:pPr lvl="1"/>
-            <a:r>
-              <a:rPr lang="en-US" dirty="0" err="1" smtClean="0"/>
-              <a:t>Datangi</a:t>
-            </a:r>
-            <a:r>
-              <a:rPr lang="en-US" dirty="0" smtClean="0"/>
-              <a:t> </a:t>
-            </a:r>
-            <a:r>
-              <a:rPr lang="en-US" dirty="0" err="1" smtClean="0"/>
-              <a:t>Toko</a:t>
-            </a:r>
-            <a:r>
-              <a:rPr lang="en-US" dirty="0" smtClean="0"/>
-              <a:t> </a:t>
-            </a:r>
-            <a:endParaRPr lang="en-US" dirty="0"/>
+              <a:t>Lokasi</a:t>
+            </a:r>
+            <a:r>
+              <a:rPr lang="en-US" dirty="0" smtClean="0"/>
+              <a:t> </a:t>
+            </a:r>
+            <a:r>
+              <a:rPr lang="en-US" dirty="0" err="1" smtClean="0"/>
+              <a:t>terdekat</a:t>
+            </a:r>
+            <a:endParaRPr lang="en-US" dirty="0" smtClean="0"/>
+          </a:p>
+          <a:p>
+            <a:r>
+              <a:rPr lang="en-US" dirty="0" smtClean="0"/>
+              <a:t>Booking</a:t>
+            </a:r>
+          </a:p>
+          <a:p>
+            <a:r>
+              <a:rPr lang="en-US" dirty="0" smtClean="0"/>
+              <a:t>Cash On Delivery</a:t>
+            </a:r>
           </a:p>
         </p:txBody>
       </p:sp>
     </p:spTree>
     <p:extLst>
       <p:ext uri="{BB962C8B-B14F-4D97-AF65-F5344CB8AC3E}">
-        <p14:creationId xmlns:p14="http://schemas.microsoft.com/office/powerpoint/2010/main" val="975566167"/>
+        <p14:creationId xmlns:p14="http://schemas.microsoft.com/office/powerpoint/2010/main" val="763913684"/>
       </p:ext>
     </p:extLst>
   </p:cSld>
   <p:clrMapOvr>
     <a:masterClrMapping/>
   </p:clrMapOvr>
+  <p:timing>
+    <p:tnLst>
+      <p:par>
+        <p:cTn id="1" dur="indefinite" restart="never" nodeType="tmRoot"/>
+      </p:par>
+    </p:tnLst>
+  </p:timing>
 </p:sld>
 </file>
 
@@ -5388,8 +5990,8 @@
           <a:lstStyle/>
           <a:p>
             <a:r>
-              <a:rPr lang="en-US" dirty="0" smtClean="0"/>
-              <a:t>Goals</a:t>
+              <a:rPr lang="en-US" dirty="0" err="1" smtClean="0"/>
+              <a:t>Tujuan</a:t>
             </a:r>
             <a:endParaRPr lang="en-US" dirty="0"/>
           </a:p>
@@ -5466,8 +6068,12 @@
               <a:t> &amp; </a:t>
             </a:r>
             <a:r>
-              <a:rPr lang="en-US" dirty="0" err="1" smtClean="0"/>
-              <a:t>Penjual</a:t>
+              <a:rPr lang="en-US" dirty="0" err="1"/>
+              <a:t>p</a:t>
+            </a:r>
+            <a:r>
+              <a:rPr lang="en-US" dirty="0" err="1" smtClean="0"/>
+              <a:t>enjual</a:t>
             </a:r>
             <a:r>
               <a:rPr lang="en-US" dirty="0" smtClean="0"/>
@@ -5475,32 +6081,10 @@
             </a:r>
           </a:p>
           <a:p>
-            <a:r>
-              <a:rPr lang="en-US" dirty="0" err="1" smtClean="0"/>
-              <a:t>Pertukaran</a:t>
-            </a:r>
-            <a:r>
-              <a:rPr lang="en-US" dirty="0" smtClean="0"/>
-              <a:t> </a:t>
-            </a:r>
-            <a:r>
-              <a:rPr lang="en-US" dirty="0" err="1" smtClean="0"/>
-              <a:t>Informasi</a:t>
-            </a:r>
-            <a:r>
-              <a:rPr lang="en-US" dirty="0" smtClean="0"/>
-              <a:t> </a:t>
-            </a:r>
-          </a:p>
-          <a:p>
-            <a:r>
-              <a:rPr lang="en-US" dirty="0" err="1" smtClean="0"/>
-              <a:t>Promosi</a:t>
-            </a:r>
-            <a:r>
-              <a:rPr lang="en-US" dirty="0" smtClean="0"/>
-              <a:t> </a:t>
-            </a:r>
+            <a:pPr marL="0" indent="0">
+              <a:buNone/>
+            </a:pPr>
+            <a:endParaRPr lang="en-US" dirty="0" smtClean="0"/>
           </a:p>
           <a:p>
             <a:endParaRPr lang="en-US" dirty="0"/>
@@ -5517,6 +6101,13 @@
   <p:clrMapOvr>
     <a:masterClrMapping/>
   </p:clrMapOvr>
+  <p:timing>
+    <p:tnLst>
+      <p:par>
+        <p:cTn id="1" dur="indefinite" restart="never" nodeType="tmRoot"/>
+      </p:par>
+    </p:tnLst>
+  </p:timing>
 </p:sld>
 </file>
 
@@ -5553,8 +6144,8 @@
           <a:lstStyle/>
           <a:p>
             <a:r>
-              <a:rPr lang="en-US" dirty="0" smtClean="0"/>
-              <a:t>What’s make it different?</a:t>
+              <a:rPr lang="en-US" dirty="0" err="1" smtClean="0"/>
+              <a:t>Manfaat</a:t>
             </a:r>
             <a:endParaRPr lang="en-US" dirty="0"/>
           </a:p>
@@ -5576,20 +6167,181 @@
           <a:lstStyle/>
           <a:p>
             <a:r>
-              <a:rPr lang="en-US" dirty="0" smtClean="0"/>
-              <a:t>Nearby</a:t>
-            </a:r>
-          </a:p>
-          <a:p>
-            <a:r>
-              <a:rPr lang="en-US" dirty="0" smtClean="0"/>
-              <a:t>Check before go</a:t>
-            </a:r>
-          </a:p>
-          <a:p>
-            <a:r>
-              <a:rPr lang="en-US" dirty="0" smtClean="0"/>
-              <a:t>No waiting  </a:t>
+              <a:rPr lang="en-US" dirty="0" err="1" smtClean="0"/>
+              <a:t>Pembeli</a:t>
+            </a:r>
+            <a:r>
+              <a:rPr lang="en-US" dirty="0" smtClean="0"/>
+              <a:t> </a:t>
+            </a:r>
+            <a:r>
+              <a:rPr lang="en-US" dirty="0" err="1" smtClean="0"/>
+              <a:t>mendapatkan</a:t>
+            </a:r>
+            <a:r>
+              <a:rPr lang="en-US" dirty="0" smtClean="0"/>
+              <a:t> </a:t>
+            </a:r>
+            <a:r>
+              <a:rPr lang="en-US" dirty="0" err="1" smtClean="0"/>
+              <a:t>informasi</a:t>
+            </a:r>
+            <a:r>
+              <a:rPr lang="en-US" dirty="0" smtClean="0"/>
+              <a:t> </a:t>
+            </a:r>
+            <a:r>
+              <a:rPr lang="en-US" dirty="0" err="1" smtClean="0"/>
+              <a:t>mengenai</a:t>
+            </a:r>
+            <a:r>
+              <a:rPr lang="en-US" dirty="0"/>
+              <a:t> </a:t>
+            </a:r>
+            <a:r>
+              <a:rPr lang="en-US" dirty="0" err="1" smtClean="0"/>
+              <a:t>barang</a:t>
+            </a:r>
+            <a:r>
+              <a:rPr lang="en-US" dirty="0" smtClean="0"/>
+              <a:t> </a:t>
+            </a:r>
+            <a:r>
+              <a:rPr lang="en-US" dirty="0" err="1" smtClean="0"/>
+              <a:t>dan</a:t>
+            </a:r>
+            <a:r>
+              <a:rPr lang="en-US" dirty="0" smtClean="0"/>
+              <a:t> </a:t>
+            </a:r>
+            <a:r>
+              <a:rPr lang="en-US" dirty="0" err="1" smtClean="0"/>
+              <a:t>jasa</a:t>
+            </a:r>
+            <a:r>
+              <a:rPr lang="en-US" dirty="0" smtClean="0"/>
+              <a:t> </a:t>
+            </a:r>
+          </a:p>
+          <a:p>
+            <a:r>
+              <a:rPr lang="en-US" dirty="0" err="1" smtClean="0"/>
+              <a:t>Pembeli</a:t>
+            </a:r>
+            <a:r>
+              <a:rPr lang="en-US" dirty="0" smtClean="0"/>
+              <a:t> </a:t>
+            </a:r>
+            <a:r>
+              <a:rPr lang="en-US" dirty="0" err="1" smtClean="0"/>
+              <a:t>dapat</a:t>
+            </a:r>
+            <a:r>
+              <a:rPr lang="en-US" dirty="0" smtClean="0"/>
+              <a:t> </a:t>
+            </a:r>
+            <a:r>
+              <a:rPr lang="en-US" dirty="0" err="1" smtClean="0"/>
+              <a:t>langsung</a:t>
+            </a:r>
+            <a:r>
+              <a:rPr lang="en-US" dirty="0" smtClean="0"/>
+              <a:t> </a:t>
+            </a:r>
+            <a:r>
+              <a:rPr lang="en-US" dirty="0" err="1" smtClean="0"/>
+              <a:t>mendapatkan</a:t>
+            </a:r>
+            <a:r>
+              <a:rPr lang="en-US" dirty="0" smtClean="0"/>
+              <a:t> </a:t>
+            </a:r>
+            <a:r>
+              <a:rPr lang="en-US" dirty="0" err="1" smtClean="0"/>
+              <a:t>barang</a:t>
+            </a:r>
+            <a:r>
+              <a:rPr lang="en-US" dirty="0" smtClean="0"/>
+              <a:t> </a:t>
+            </a:r>
+            <a:r>
+              <a:rPr lang="en-US" dirty="0" err="1" smtClean="0"/>
+              <a:t>atau</a:t>
+            </a:r>
+            <a:r>
+              <a:rPr lang="en-US" dirty="0" smtClean="0"/>
+              <a:t> </a:t>
+            </a:r>
+            <a:r>
+              <a:rPr lang="en-US" dirty="0" err="1" smtClean="0"/>
+              <a:t>jasa</a:t>
+            </a:r>
+            <a:r>
+              <a:rPr lang="en-US" dirty="0" smtClean="0"/>
+              <a:t> </a:t>
+            </a:r>
+            <a:r>
+              <a:rPr lang="en-US" dirty="0" err="1" smtClean="0"/>
+              <a:t>tanpa</a:t>
+            </a:r>
+            <a:r>
+              <a:rPr lang="en-US" dirty="0" smtClean="0"/>
+              <a:t> </a:t>
+            </a:r>
+            <a:r>
+              <a:rPr lang="en-US" dirty="0" err="1" smtClean="0"/>
+              <a:t>harus</a:t>
+            </a:r>
+            <a:r>
+              <a:rPr lang="en-US" dirty="0" smtClean="0"/>
+              <a:t> </a:t>
+            </a:r>
+            <a:r>
+              <a:rPr lang="en-US" dirty="0" err="1" smtClean="0"/>
+              <a:t>menunggu</a:t>
+            </a:r>
+            <a:endParaRPr lang="en-US" dirty="0" smtClean="0"/>
+          </a:p>
+          <a:p>
+            <a:r>
+              <a:rPr lang="en-US" dirty="0" err="1" smtClean="0"/>
+              <a:t>Penjual</a:t>
+            </a:r>
+            <a:r>
+              <a:rPr lang="en-US" dirty="0" smtClean="0"/>
+              <a:t> </a:t>
+            </a:r>
+            <a:r>
+              <a:rPr lang="en-US" dirty="0" err="1" smtClean="0"/>
+              <a:t>mendapatkan</a:t>
+            </a:r>
+            <a:r>
+              <a:rPr lang="en-US" dirty="0" smtClean="0"/>
+              <a:t> </a:t>
+            </a:r>
+            <a:r>
+              <a:rPr lang="en-US" dirty="0" err="1" smtClean="0"/>
+              <a:t>Promosi</a:t>
+            </a:r>
+            <a:r>
+              <a:rPr lang="en-US" dirty="0" smtClean="0"/>
+              <a:t> </a:t>
+            </a:r>
+            <a:r>
+              <a:rPr lang="en-US" dirty="0" err="1" smtClean="0"/>
+              <a:t>toko</a:t>
+            </a:r>
+            <a:r>
+              <a:rPr lang="en-US" dirty="0" smtClean="0"/>
+              <a:t> </a:t>
+            </a:r>
+            <a:r>
+              <a:rPr lang="en-US" dirty="0" err="1" smtClean="0"/>
+              <a:t>melalui</a:t>
+            </a:r>
+            <a:r>
+              <a:rPr lang="en-US" dirty="0" smtClean="0"/>
+              <a:t> WTB </a:t>
             </a:r>
           </a:p>
           <a:p>
@@ -5600,13 +6352,20 @@
     </p:spTree>
     <p:extLst>
       <p:ext uri="{BB962C8B-B14F-4D97-AF65-F5344CB8AC3E}">
-        <p14:creationId xmlns:p14="http://schemas.microsoft.com/office/powerpoint/2010/main" val="763913684"/>
+        <p14:creationId xmlns:p14="http://schemas.microsoft.com/office/powerpoint/2010/main" val="2032957999"/>
       </p:ext>
     </p:extLst>
   </p:cSld>
   <p:clrMapOvr>
     <a:masterClrMapping/>
   </p:clrMapOvr>
+  <p:timing>
+    <p:tnLst>
+      <p:par>
+        <p:cTn id="1" dur="indefinite" restart="never" nodeType="tmRoot"/>
+      </p:par>
+    </p:tnLst>
+  </p:timing>
 </p:sld>
 </file>
 
@@ -5629,6 +6388,54 @@
       </p:grpSpPr>
       <p:sp>
         <p:nvSpPr>
+          <p:cNvPr id="6" name="Rectangle 5"/>
+          <p:cNvSpPr/>
+          <p:nvPr/>
+        </p:nvSpPr>
+        <p:spPr>
+          <a:xfrm>
+            <a:off x="3850640" y="-20653"/>
+            <a:ext cx="8463280" cy="6878653"/>
+          </a:xfrm>
+          <a:prstGeom prst="rect">
+            <a:avLst/>
+          </a:prstGeom>
+          <a:solidFill>
+            <a:srgbClr val="003250">
+              <a:alpha val="85098"/>
+            </a:srgbClr>
+          </a:solidFill>
+          <a:ln>
+            <a:noFill/>
+          </a:ln>
+        </p:spPr>
+        <p:style>
+          <a:lnRef idx="2">
+            <a:schemeClr val="accent1">
+              <a:shade val="50000"/>
+            </a:schemeClr>
+          </a:lnRef>
+          <a:fillRef idx="1">
+            <a:schemeClr val="accent1"/>
+          </a:fillRef>
+          <a:effectRef idx="0">
+            <a:schemeClr val="accent1"/>
+          </a:effectRef>
+          <a:fontRef idx="minor">
+            <a:schemeClr val="lt1"/>
+          </a:fontRef>
+        </p:style>
+        <p:txBody>
+          <a:bodyPr rtlCol="0" anchor="ctr"/>
+          <a:lstStyle/>
+          <a:p>
+            <a:pPr algn="ctr"/>
+            <a:endParaRPr lang="en-US" dirty="0"/>
+          </a:p>
+        </p:txBody>
+      </p:sp>
+      <p:sp>
+        <p:nvSpPr>
           <p:cNvPr id="2" name="Title 1"/>
           <p:cNvSpPr>
             <a:spLocks noGrp="1"/>
@@ -5637,7 +6444,12 @@
             <p:ph type="title"/>
           </p:nvPr>
         </p:nvSpPr>
-        <p:spPr/>
+        <p:spPr>
+          <a:xfrm>
+            <a:off x="4107180" y="226933"/>
+            <a:ext cx="4041140" cy="1325563"/>
+          </a:xfrm>
+        </p:spPr>
         <p:txBody>
           <a:bodyPr>
             <a:normAutofit/>
@@ -5645,10 +6457,26 @@
           <a:lstStyle/>
           <a:p>
             <a:r>
-              <a:rPr lang="en-US" dirty="0" smtClean="0"/>
-              <a:t>Mechanism</a:t>
-            </a:r>
-            <a:endParaRPr lang="en-US" dirty="0"/>
+              <a:rPr lang="en-US" dirty="0" err="1" smtClean="0">
+                <a:solidFill>
+                  <a:schemeClr val="bg1"/>
+                </a:solidFill>
+              </a:rPr>
+              <a:t>Mekanisme</a:t>
+            </a:r>
+            <a:r>
+              <a:rPr lang="en-US" dirty="0" smtClean="0">
+                <a:solidFill>
+                  <a:schemeClr val="bg1"/>
+                </a:solidFill>
+              </a:rPr>
+              <a:t> 1</a:t>
+            </a:r>
+            <a:endParaRPr lang="en-US" dirty="0">
+              <a:solidFill>
+                <a:schemeClr val="bg1"/>
+              </a:solidFill>
+            </a:endParaRPr>
           </a:p>
         </p:txBody>
       </p:sp>
@@ -5662,294 +6490,318 @@
             <p:ph idx="1"/>
           </p:nvPr>
         </p:nvSpPr>
-        <p:spPr/>
+        <p:spPr>
+          <a:xfrm>
+            <a:off x="4107180" y="1779429"/>
+            <a:ext cx="5766025" cy="4351338"/>
+          </a:xfrm>
+        </p:spPr>
         <p:txBody>
           <a:bodyPr>
             <a:normAutofit/>
           </a:bodyPr>
           <a:lstStyle/>
           <a:p>
+            <a:r>
+              <a:rPr lang="en-US" dirty="0" err="1" smtClean="0">
+                <a:solidFill>
+                  <a:schemeClr val="bg1"/>
+                </a:solidFill>
+              </a:rPr>
+              <a:t>Pembeli</a:t>
+            </a:r>
+            <a:r>
+              <a:rPr lang="en-US" dirty="0" smtClean="0">
+                <a:solidFill>
+                  <a:schemeClr val="bg1"/>
+                </a:solidFill>
+              </a:rPr>
+              <a:t> di </a:t>
+            </a:r>
+            <a:r>
+              <a:rPr lang="en-US" dirty="0" err="1" smtClean="0">
+                <a:solidFill>
+                  <a:schemeClr val="bg1"/>
+                </a:solidFill>
+              </a:rPr>
+              <a:t>kota</a:t>
+            </a:r>
+            <a:r>
+              <a:rPr lang="en-US" dirty="0" smtClean="0">
+                <a:solidFill>
+                  <a:schemeClr val="bg1"/>
+                </a:solidFill>
+              </a:rPr>
+              <a:t> A </a:t>
+            </a:r>
+            <a:r>
+              <a:rPr lang="en-US" dirty="0" err="1" smtClean="0">
+                <a:solidFill>
+                  <a:schemeClr val="bg1"/>
+                </a:solidFill>
+              </a:rPr>
+              <a:t>ingin</a:t>
+            </a:r>
+            <a:r>
+              <a:rPr lang="en-US" dirty="0" smtClean="0">
+                <a:solidFill>
+                  <a:schemeClr val="bg1"/>
+                </a:solidFill>
+              </a:rPr>
+              <a:t> </a:t>
+            </a:r>
+            <a:r>
+              <a:rPr lang="en-US" dirty="0" err="1" smtClean="0">
+                <a:solidFill>
+                  <a:schemeClr val="bg1"/>
+                </a:solidFill>
+              </a:rPr>
+              <a:t>mencari</a:t>
+            </a:r>
+            <a:r>
+              <a:rPr lang="en-US" dirty="0" smtClean="0">
+                <a:solidFill>
+                  <a:schemeClr val="bg1"/>
+                </a:solidFill>
+              </a:rPr>
+              <a:t> </a:t>
+            </a:r>
+            <a:r>
+              <a:rPr lang="en-US" dirty="0" err="1" smtClean="0">
+                <a:solidFill>
+                  <a:schemeClr val="bg1"/>
+                </a:solidFill>
+              </a:rPr>
+              <a:t>barang</a:t>
+            </a:r>
+            <a:r>
+              <a:rPr lang="en-US" dirty="0" smtClean="0">
+                <a:solidFill>
+                  <a:schemeClr val="bg1"/>
+                </a:solidFill>
+              </a:rPr>
+              <a:t> </a:t>
+            </a:r>
+            <a:r>
+              <a:rPr lang="en-US" dirty="0" err="1" smtClean="0">
+                <a:solidFill>
+                  <a:schemeClr val="bg1"/>
+                </a:solidFill>
+              </a:rPr>
+              <a:t>yaitu</a:t>
+            </a:r>
+            <a:r>
+              <a:rPr lang="en-US" dirty="0" smtClean="0">
+                <a:solidFill>
+                  <a:schemeClr val="bg1"/>
+                </a:solidFill>
+              </a:rPr>
+              <a:t> </a:t>
+            </a:r>
+            <a:r>
+              <a:rPr lang="en-US" i="1" dirty="0" err="1" smtClean="0">
+                <a:solidFill>
+                  <a:schemeClr val="bg1"/>
+                </a:solidFill>
+              </a:rPr>
+              <a:t>sparepart</a:t>
+            </a:r>
+            <a:r>
+              <a:rPr lang="en-US" dirty="0" smtClean="0">
+                <a:solidFill>
+                  <a:schemeClr val="bg1"/>
+                </a:solidFill>
+              </a:rPr>
+              <a:t> </a:t>
+            </a:r>
+            <a:r>
+              <a:rPr lang="en-US" dirty="0" err="1" smtClean="0">
+                <a:solidFill>
+                  <a:schemeClr val="bg1"/>
+                </a:solidFill>
+              </a:rPr>
+              <a:t>mobil</a:t>
+            </a:r>
+            <a:endParaRPr lang="en-US" dirty="0" smtClean="0">
+              <a:solidFill>
+                <a:schemeClr val="bg1"/>
+              </a:solidFill>
+            </a:endParaRPr>
+          </a:p>
+          <a:p>
+            <a:r>
+              <a:rPr lang="en-US" dirty="0" err="1" smtClean="0">
+                <a:solidFill>
+                  <a:schemeClr val="bg1"/>
+                </a:solidFill>
+              </a:rPr>
+              <a:t>Masuk</a:t>
+            </a:r>
+            <a:r>
+              <a:rPr lang="en-US" dirty="0" smtClean="0">
+                <a:solidFill>
+                  <a:schemeClr val="bg1"/>
+                </a:solidFill>
+              </a:rPr>
+              <a:t> </a:t>
+            </a:r>
+            <a:r>
+              <a:rPr lang="en-US" dirty="0" err="1" smtClean="0">
+                <a:solidFill>
+                  <a:schemeClr val="bg1"/>
+                </a:solidFill>
+              </a:rPr>
+              <a:t>ke</a:t>
+            </a:r>
+            <a:r>
+              <a:rPr lang="en-US" dirty="0" smtClean="0">
+                <a:solidFill>
+                  <a:schemeClr val="bg1"/>
+                </a:solidFill>
+              </a:rPr>
+              <a:t> </a:t>
+            </a:r>
+            <a:r>
+              <a:rPr lang="en-US" dirty="0" err="1" smtClean="0">
+                <a:solidFill>
+                  <a:schemeClr val="bg1"/>
+                </a:solidFill>
+              </a:rPr>
+              <a:t>aplikasi</a:t>
+            </a:r>
+            <a:r>
+              <a:rPr lang="en-US" dirty="0" smtClean="0">
+                <a:solidFill>
+                  <a:schemeClr val="bg1"/>
+                </a:solidFill>
+              </a:rPr>
+              <a:t> WTB </a:t>
+            </a:r>
+          </a:p>
+          <a:p>
+            <a:endParaRPr lang="en-US" dirty="0" smtClean="0">
+              <a:solidFill>
+                <a:schemeClr val="bg1"/>
+              </a:solidFill>
+            </a:endParaRPr>
+          </a:p>
+          <a:p>
             <a:pPr>
               <a:buNone/>
             </a:pPr>
-            <a:r>
-              <a:rPr lang="en-US" b="1" dirty="0" smtClean="0"/>
-              <a:t>GOODS</a:t>
-            </a:r>
-          </a:p>
-          <a:p>
-            <a:r>
-              <a:rPr lang="en-US" dirty="0" err="1" smtClean="0"/>
-              <a:t>Pembeli</a:t>
-            </a:r>
-            <a:r>
-              <a:rPr lang="en-US" dirty="0" smtClean="0"/>
-              <a:t> </a:t>
-            </a:r>
-            <a:r>
-              <a:rPr lang="en-US" dirty="0" err="1" smtClean="0"/>
-              <a:t>di</a:t>
-            </a:r>
-            <a:r>
-              <a:rPr lang="en-US" dirty="0" smtClean="0"/>
-              <a:t> </a:t>
-            </a:r>
-            <a:r>
-              <a:rPr lang="en-US" dirty="0" err="1" smtClean="0"/>
-              <a:t>kota</a:t>
-            </a:r>
-            <a:r>
-              <a:rPr lang="en-US" dirty="0" smtClean="0"/>
-              <a:t> A </a:t>
-            </a:r>
-            <a:r>
-              <a:rPr lang="en-US" dirty="0" err="1" smtClean="0"/>
-              <a:t>ingin</a:t>
-            </a:r>
-            <a:r>
-              <a:rPr lang="en-US" dirty="0" smtClean="0"/>
-              <a:t> </a:t>
-            </a:r>
-            <a:r>
-              <a:rPr lang="en-US" dirty="0" err="1" smtClean="0"/>
-              <a:t>mencari</a:t>
-            </a:r>
-            <a:r>
-              <a:rPr lang="en-US" dirty="0" smtClean="0"/>
-              <a:t> </a:t>
-            </a:r>
-            <a:r>
-              <a:rPr lang="en-US" dirty="0" err="1" smtClean="0"/>
-              <a:t>barang</a:t>
-            </a:r>
-            <a:r>
-              <a:rPr lang="en-US" dirty="0" smtClean="0"/>
-              <a:t> </a:t>
-            </a:r>
-            <a:r>
-              <a:rPr lang="en-US" dirty="0" err="1" smtClean="0"/>
-              <a:t>yaitu</a:t>
-            </a:r>
-            <a:r>
-              <a:rPr lang="en-US" dirty="0" smtClean="0"/>
-              <a:t> </a:t>
-            </a:r>
-            <a:r>
-              <a:rPr lang="en-US" i="1" dirty="0" err="1" smtClean="0"/>
-              <a:t>sparepart</a:t>
-            </a:r>
-            <a:r>
-              <a:rPr lang="en-US" dirty="0" smtClean="0"/>
-              <a:t> </a:t>
-            </a:r>
-            <a:r>
-              <a:rPr lang="en-US" dirty="0" err="1" smtClean="0"/>
-              <a:t>mobil</a:t>
-            </a:r>
-            <a:endParaRPr lang="en-US" dirty="0" smtClean="0"/>
-          </a:p>
-          <a:p>
-            <a:r>
-              <a:rPr lang="en-US" dirty="0" err="1" smtClean="0"/>
-              <a:t>Masuk</a:t>
-            </a:r>
-            <a:r>
-              <a:rPr lang="en-US" dirty="0" smtClean="0"/>
-              <a:t> </a:t>
-            </a:r>
-            <a:r>
-              <a:rPr lang="en-US" dirty="0" err="1" smtClean="0"/>
-              <a:t>ke</a:t>
-            </a:r>
-            <a:r>
-              <a:rPr lang="en-US" dirty="0" smtClean="0"/>
-              <a:t> </a:t>
-            </a:r>
-            <a:r>
-              <a:rPr lang="en-US" dirty="0" err="1" smtClean="0"/>
-              <a:t>aplikasi</a:t>
-            </a:r>
-            <a:r>
-              <a:rPr lang="en-US" dirty="0" smtClean="0"/>
-              <a:t> WTB </a:t>
-            </a:r>
-          </a:p>
-          <a:p>
-            <a:r>
-              <a:rPr lang="en-US" dirty="0" err="1" smtClean="0"/>
-              <a:t>Mencari</a:t>
-            </a:r>
-            <a:r>
-              <a:rPr lang="en-US" dirty="0" smtClean="0"/>
-              <a:t> </a:t>
-            </a:r>
-            <a:r>
-              <a:rPr lang="en-US" dirty="0" err="1" smtClean="0"/>
-              <a:t>barang</a:t>
-            </a:r>
-            <a:r>
-              <a:rPr lang="en-US" dirty="0" smtClean="0"/>
-              <a:t> </a:t>
-            </a:r>
-            <a:r>
-              <a:rPr lang="en-US" dirty="0" err="1" smtClean="0"/>
-              <a:t>sesuai</a:t>
-            </a:r>
-            <a:r>
-              <a:rPr lang="en-US" dirty="0" smtClean="0"/>
-              <a:t> </a:t>
-            </a:r>
-            <a:r>
-              <a:rPr lang="en-US" dirty="0" err="1" smtClean="0"/>
-              <a:t>kategori</a:t>
-            </a:r>
-            <a:r>
-              <a:rPr lang="en-US" dirty="0" smtClean="0"/>
-              <a:t> / search </a:t>
-            </a:r>
-            <a:r>
-              <a:rPr lang="en-US" dirty="0" err="1" smtClean="0"/>
-              <a:t>barang</a:t>
-            </a:r>
-            <a:r>
-              <a:rPr lang="en-US" dirty="0" smtClean="0"/>
-              <a:t> </a:t>
-            </a:r>
-          </a:p>
-          <a:p>
-            <a:r>
-              <a:rPr lang="en-US" dirty="0" err="1" smtClean="0"/>
-              <a:t>Mendapatkan</a:t>
-            </a:r>
-            <a:r>
-              <a:rPr lang="en-US" dirty="0" smtClean="0"/>
-              <a:t> </a:t>
-            </a:r>
-            <a:r>
-              <a:rPr lang="en-US" dirty="0" err="1" smtClean="0"/>
-              <a:t>toko-toko</a:t>
-            </a:r>
-            <a:r>
-              <a:rPr lang="en-US" dirty="0" smtClean="0"/>
-              <a:t> yang </a:t>
-            </a:r>
-            <a:r>
-              <a:rPr lang="en-US" dirty="0" err="1" smtClean="0"/>
-              <a:t>memiliki</a:t>
-            </a:r>
-            <a:r>
-              <a:rPr lang="en-US" dirty="0" smtClean="0"/>
-              <a:t> </a:t>
-            </a:r>
-            <a:r>
-              <a:rPr lang="en-US" dirty="0" err="1" smtClean="0"/>
-              <a:t>stok</a:t>
-            </a:r>
-            <a:r>
-              <a:rPr lang="en-US" dirty="0" smtClean="0"/>
-              <a:t> </a:t>
-            </a:r>
-          </a:p>
-          <a:p>
-            <a:r>
-              <a:rPr lang="en-US" dirty="0" err="1" smtClean="0"/>
-              <a:t>Memilih</a:t>
-            </a:r>
-            <a:r>
-              <a:rPr lang="en-US" dirty="0" smtClean="0"/>
-              <a:t> </a:t>
-            </a:r>
-            <a:r>
-              <a:rPr lang="en-US" dirty="0" err="1" smtClean="0"/>
-              <a:t>toko</a:t>
-            </a:r>
-            <a:r>
-              <a:rPr lang="en-US" dirty="0" smtClean="0"/>
-              <a:t> yang </a:t>
-            </a:r>
-            <a:r>
-              <a:rPr lang="en-US" dirty="0" err="1" smtClean="0"/>
-              <a:t>sesuai</a:t>
-            </a:r>
-            <a:r>
-              <a:rPr lang="en-US" dirty="0" smtClean="0"/>
-              <a:t> </a:t>
-            </a:r>
-            <a:r>
-              <a:rPr lang="en-US" dirty="0" err="1" smtClean="0"/>
-              <a:t>dengan</a:t>
-            </a:r>
-            <a:r>
-              <a:rPr lang="en-US" dirty="0" smtClean="0"/>
-              <a:t> </a:t>
-            </a:r>
-            <a:r>
-              <a:rPr lang="en-US" dirty="0" err="1" smtClean="0"/>
-              <a:t>lokasi</a:t>
-            </a:r>
-            <a:endParaRPr lang="en-US" dirty="0" smtClean="0"/>
-          </a:p>
-          <a:p>
-            <a:r>
-              <a:rPr lang="en-US" dirty="0" err="1" smtClean="0"/>
-              <a:t>Memasukkan</a:t>
-            </a:r>
-            <a:r>
-              <a:rPr lang="en-US" dirty="0" smtClean="0"/>
-              <a:t> </a:t>
-            </a:r>
-            <a:r>
-              <a:rPr lang="en-US" dirty="0" err="1" smtClean="0"/>
-              <a:t>barang</a:t>
-            </a:r>
-            <a:r>
-              <a:rPr lang="en-US" dirty="0" smtClean="0"/>
-              <a:t> yang </a:t>
-            </a:r>
-            <a:r>
-              <a:rPr lang="en-US" dirty="0" err="1" smtClean="0"/>
-              <a:t>ingin</a:t>
-            </a:r>
-            <a:r>
-              <a:rPr lang="en-US" dirty="0" smtClean="0"/>
-              <a:t> </a:t>
-            </a:r>
-            <a:r>
-              <a:rPr lang="en-US" dirty="0" err="1" smtClean="0"/>
-              <a:t>dibeli</a:t>
-            </a:r>
-            <a:r>
-              <a:rPr lang="en-US" dirty="0" smtClean="0"/>
-              <a:t> </a:t>
-            </a:r>
-            <a:r>
-              <a:rPr lang="en-US" dirty="0" err="1" smtClean="0"/>
-              <a:t>ke</a:t>
-            </a:r>
-            <a:r>
-              <a:rPr lang="en-US" dirty="0" smtClean="0"/>
-              <a:t> </a:t>
-            </a:r>
-            <a:r>
-              <a:rPr lang="en-US" dirty="0" err="1" smtClean="0"/>
-              <a:t>daftar</a:t>
-            </a:r>
-            <a:r>
-              <a:rPr lang="en-US" dirty="0" smtClean="0"/>
-              <a:t> booking.</a:t>
-            </a:r>
-          </a:p>
-          <a:p>
-            <a:endParaRPr lang="en-US" dirty="0" smtClean="0"/>
-          </a:p>
-          <a:p>
-            <a:pPr>
-              <a:buNone/>
-            </a:pPr>
-            <a:endParaRPr lang="en-US" dirty="0"/>
-          </a:p>
-        </p:txBody>
-      </p:sp>
+            <a:endParaRPr lang="en-US" dirty="0">
+              <a:solidFill>
+                <a:schemeClr val="bg1"/>
+              </a:solidFill>
+            </a:endParaRPr>
+          </a:p>
+        </p:txBody>
+      </p:sp>
+      <p:sp>
+        <p:nvSpPr>
+          <p:cNvPr id="10" name="Flowchart: Off-page Connector 9"/>
+          <p:cNvSpPr/>
+          <p:nvPr/>
+        </p:nvSpPr>
+        <p:spPr>
+          <a:xfrm>
+            <a:off x="10444480" y="-20653"/>
+            <a:ext cx="741680" cy="833120"/>
+          </a:xfrm>
+          <a:prstGeom prst="flowChartOffpageConnector">
+            <a:avLst/>
+          </a:prstGeom>
+          <a:solidFill>
+            <a:srgbClr val="E0BD00"/>
+          </a:solidFill>
+          <a:ln>
+            <a:noFill/>
+          </a:ln>
+        </p:spPr>
+        <p:style>
+          <a:lnRef idx="2">
+            <a:schemeClr val="accent1">
+              <a:shade val="50000"/>
+            </a:schemeClr>
+          </a:lnRef>
+          <a:fillRef idx="1">
+            <a:schemeClr val="accent1"/>
+          </a:fillRef>
+          <a:effectRef idx="0">
+            <a:schemeClr val="accent1"/>
+          </a:effectRef>
+          <a:fontRef idx="minor">
+            <a:schemeClr val="lt1"/>
+          </a:fontRef>
+        </p:style>
+        <p:txBody>
+          <a:bodyPr rtlCol="0" anchor="ctr"/>
+          <a:lstStyle/>
+          <a:p>
+            <a:pPr algn="ctr"/>
+            <a:endParaRPr lang="en-US"/>
+          </a:p>
+        </p:txBody>
+      </p:sp>
+      <p:pic>
+        <p:nvPicPr>
+          <p:cNvPr id="5" name="Picture 4"/>
+          <p:cNvPicPr>
+            <a:picLocks noChangeAspect="1"/>
+          </p:cNvPicPr>
+          <p:nvPr/>
+        </p:nvPicPr>
+        <p:blipFill>
+          <a:blip r:embed="rId2">
+            <a:extLst>
+              <a:ext uri="{28A0092B-C50C-407E-A947-70E740481C1C}">
+                <a14:useLocalDpi xmlns:a14="http://schemas.microsoft.com/office/drawing/2010/main" val="0"/>
+              </a:ext>
+            </a:extLst>
+          </a:blip>
+          <a:stretch>
+            <a:fillRect/>
+          </a:stretch>
+        </p:blipFill>
+        <p:spPr>
+          <a:xfrm>
+            <a:off x="664735" y="1168087"/>
+            <a:ext cx="2585211" cy="4595929"/>
+          </a:xfrm>
+          <a:prstGeom prst="rect">
+            <a:avLst/>
+          </a:prstGeom>
+        </p:spPr>
+      </p:pic>
+      <p:pic>
+        <p:nvPicPr>
+          <p:cNvPr id="12" name="Picture 11"/>
+          <p:cNvPicPr>
+            <a:picLocks noChangeAspect="1"/>
+          </p:cNvPicPr>
+          <p:nvPr/>
+        </p:nvPicPr>
+        <p:blipFill rotWithShape="1">
+          <a:blip r:embed="rId3">
+            <a:extLst>
+              <a:ext uri="{28A0092B-C50C-407E-A947-70E740481C1C}">
+                <a14:useLocalDpi xmlns:a14="http://schemas.microsoft.com/office/drawing/2010/main" val="0"/>
+              </a:ext>
+            </a:extLst>
+          </a:blip>
+          <a:srcRect l="18894" t="8518" r="18407" b="8577"/>
+          <a:stretch/>
+        </p:blipFill>
+        <p:spPr>
+          <a:xfrm>
+            <a:off x="480412" y="470521"/>
+            <a:ext cx="2953253" cy="5896968"/>
+          </a:xfrm>
+          <a:prstGeom prst="rect">
+            <a:avLst/>
+          </a:prstGeom>
+        </p:spPr>
+      </p:pic>
     </p:spTree>
     <p:extLst>
       <p:ext uri="{BB962C8B-B14F-4D97-AF65-F5344CB8AC3E}">
@@ -5960,6 +6812,13 @@
   <p:clrMapOvr>
     <a:masterClrMapping/>
   </p:clrMapOvr>
+  <p:timing>
+    <p:tnLst>
+      <p:par>
+        <p:cTn id="1" dur="indefinite" restart="never" nodeType="tmRoot"/>
+      </p:par>
+    </p:tnLst>
+  </p:timing>
 </p:sld>
 </file>
 
@@ -5982,227 +6841,183 @@
       </p:grpSpPr>
       <p:sp>
         <p:nvSpPr>
-          <p:cNvPr id="2" name="Title 1"/>
-          <p:cNvSpPr>
-            <a:spLocks noGrp="1"/>
-          </p:cNvSpPr>
-          <p:nvPr>
-            <p:ph type="title"/>
-          </p:nvPr>
-        </p:nvSpPr>
-        <p:spPr/>
-        <p:txBody>
-          <a:bodyPr/>
-          <a:lstStyle/>
-          <a:p>
-            <a:endParaRPr lang="en-US"/>
-          </a:p>
-        </p:txBody>
-      </p:sp>
-      <p:sp>
-        <p:nvSpPr>
-          <p:cNvPr id="3" name="Content Placeholder 2"/>
-          <p:cNvSpPr>
-            <a:spLocks noGrp="1"/>
-          </p:cNvSpPr>
-          <p:nvPr>
-            <p:ph idx="1"/>
-          </p:nvPr>
-        </p:nvSpPr>
-        <p:spPr/>
-        <p:txBody>
-          <a:bodyPr/>
-          <a:lstStyle/>
-          <a:p>
-            <a:r>
-              <a:rPr lang="en-US" dirty="0" smtClean="0"/>
-              <a:t>WTB </a:t>
-            </a:r>
-            <a:r>
-              <a:rPr lang="en-US" dirty="0" err="1" smtClean="0"/>
-              <a:t>akan</a:t>
-            </a:r>
-            <a:r>
-              <a:rPr lang="en-US" dirty="0" smtClean="0"/>
-              <a:t> </a:t>
-            </a:r>
-            <a:r>
-              <a:rPr lang="en-US" dirty="0" err="1" smtClean="0"/>
-              <a:t>menunjukkan</a:t>
-            </a:r>
-            <a:r>
-              <a:rPr lang="en-US" dirty="0" smtClean="0"/>
-              <a:t> maps </a:t>
-            </a:r>
-            <a:r>
-              <a:rPr lang="en-US" dirty="0" err="1" smtClean="0"/>
-              <a:t>dari</a:t>
-            </a:r>
-            <a:r>
-              <a:rPr lang="en-US" dirty="0" smtClean="0"/>
-              <a:t> </a:t>
-            </a:r>
-            <a:r>
-              <a:rPr lang="en-US" dirty="0" err="1" smtClean="0"/>
-              <a:t>lokasi</a:t>
-            </a:r>
-            <a:r>
-              <a:rPr lang="en-US" dirty="0" smtClean="0"/>
-              <a:t> </a:t>
-            </a:r>
-            <a:r>
-              <a:rPr lang="en-US" dirty="0" err="1" smtClean="0"/>
-              <a:t>saat</a:t>
-            </a:r>
-            <a:r>
-              <a:rPr lang="en-US" dirty="0" smtClean="0"/>
-              <a:t> </a:t>
-            </a:r>
-            <a:r>
-              <a:rPr lang="en-US" dirty="0" err="1" smtClean="0"/>
-              <a:t>ini</a:t>
-            </a:r>
-            <a:r>
-              <a:rPr lang="en-US" dirty="0" smtClean="0"/>
-              <a:t> </a:t>
-            </a:r>
-            <a:r>
-              <a:rPr lang="en-US" dirty="0" err="1" smtClean="0"/>
-              <a:t>ke</a:t>
-            </a:r>
-            <a:r>
-              <a:rPr lang="en-US" dirty="0" smtClean="0"/>
-              <a:t> </a:t>
-            </a:r>
-            <a:r>
-              <a:rPr lang="en-US" dirty="0" err="1" smtClean="0"/>
-              <a:t>toko</a:t>
-            </a:r>
-            <a:endParaRPr lang="en-US" dirty="0" smtClean="0"/>
-          </a:p>
-          <a:p>
-            <a:r>
-              <a:rPr lang="en-US" dirty="0" err="1" smtClean="0"/>
-              <a:t>Toko</a:t>
-            </a:r>
-            <a:r>
-              <a:rPr lang="en-US" dirty="0" smtClean="0"/>
-              <a:t> </a:t>
-            </a:r>
-            <a:r>
-              <a:rPr lang="en-US" dirty="0" err="1" smtClean="0"/>
-              <a:t>akan</a:t>
-            </a:r>
-            <a:r>
-              <a:rPr lang="en-US" dirty="0" smtClean="0"/>
-              <a:t> </a:t>
-            </a:r>
-            <a:r>
-              <a:rPr lang="en-US" dirty="0" err="1" smtClean="0"/>
-              <a:t>mendapatkan</a:t>
-            </a:r>
-            <a:r>
-              <a:rPr lang="en-US" dirty="0" smtClean="0"/>
-              <a:t> </a:t>
-            </a:r>
-            <a:r>
-              <a:rPr lang="en-US" dirty="0" err="1" smtClean="0"/>
-              <a:t>notifikasi</a:t>
-            </a:r>
-            <a:r>
-              <a:rPr lang="en-US" dirty="0" smtClean="0"/>
-              <a:t> </a:t>
-            </a:r>
-          </a:p>
-          <a:p>
-            <a:r>
-              <a:rPr lang="en-US" dirty="0" err="1" smtClean="0"/>
-              <a:t>pembeli</a:t>
-            </a:r>
-            <a:r>
-              <a:rPr lang="en-US" dirty="0" smtClean="0"/>
-              <a:t> </a:t>
-            </a:r>
-            <a:r>
-              <a:rPr lang="en-US" dirty="0" err="1" smtClean="0"/>
-              <a:t>pergi</a:t>
-            </a:r>
-            <a:r>
-              <a:rPr lang="en-US" dirty="0" smtClean="0"/>
-              <a:t> </a:t>
-            </a:r>
-            <a:r>
-              <a:rPr lang="en-US" dirty="0" err="1" smtClean="0"/>
-              <a:t>menuju</a:t>
-            </a:r>
-            <a:r>
-              <a:rPr lang="en-US" dirty="0" smtClean="0"/>
-              <a:t> </a:t>
-            </a:r>
-            <a:r>
-              <a:rPr lang="en-US" dirty="0" err="1" smtClean="0"/>
-              <a:t>toko</a:t>
-            </a:r>
-            <a:r>
-              <a:rPr lang="en-US" dirty="0" smtClean="0"/>
-              <a:t> </a:t>
-            </a:r>
-            <a:r>
-              <a:rPr lang="en-US" dirty="0" err="1" smtClean="0"/>
-              <a:t>dan</a:t>
-            </a:r>
-            <a:r>
-              <a:rPr lang="en-US" dirty="0" smtClean="0"/>
-              <a:t> </a:t>
-            </a:r>
-            <a:r>
-              <a:rPr lang="en-US" dirty="0" err="1" smtClean="0"/>
-              <a:t>melakukan</a:t>
-            </a:r>
-            <a:r>
-              <a:rPr lang="en-US" dirty="0" smtClean="0"/>
-              <a:t> </a:t>
-            </a:r>
-            <a:r>
-              <a:rPr lang="en-US" dirty="0" err="1" smtClean="0"/>
-              <a:t>transaksi</a:t>
-            </a:r>
-            <a:r>
-              <a:rPr lang="en-US" dirty="0" smtClean="0"/>
-              <a:t> </a:t>
-            </a:r>
-            <a:r>
-              <a:rPr lang="en-US" dirty="0" err="1" smtClean="0"/>
-              <a:t>dengan</a:t>
-            </a:r>
-            <a:r>
-              <a:rPr lang="en-US" dirty="0" smtClean="0"/>
-              <a:t> </a:t>
-            </a:r>
-            <a:r>
-              <a:rPr lang="en-US" dirty="0" err="1" smtClean="0"/>
-              <a:t>toko</a:t>
-            </a:r>
-            <a:endParaRPr lang="en-US" dirty="0" smtClean="0"/>
-          </a:p>
-          <a:p>
-            <a:pPr>
-              <a:buNone/>
-            </a:pPr>
+          <p:cNvPr id="4" name="Rectangle 3"/>
+          <p:cNvSpPr/>
+          <p:nvPr/>
+        </p:nvSpPr>
+        <p:spPr>
+          <a:xfrm>
+            <a:off x="4724400" y="1097280"/>
+            <a:ext cx="7599680" cy="646331"/>
+          </a:xfrm>
+          <a:prstGeom prst="rect">
+            <a:avLst/>
+          </a:prstGeom>
+        </p:spPr>
+        <p:txBody>
+          <a:bodyPr wrap="square">
+            <a:spAutoFit/>
+          </a:bodyPr>
+          <a:lstStyle/>
+          <a:p>
+            <a:r>
+              <a:rPr lang="en-US" dirty="0" err="1"/>
+              <a:t>Mencari</a:t>
+            </a:r>
+            <a:r>
+              <a:rPr lang="en-US" dirty="0"/>
+              <a:t> </a:t>
+            </a:r>
+            <a:r>
+              <a:rPr lang="en-US" dirty="0" err="1"/>
+              <a:t>barang</a:t>
+            </a:r>
+            <a:r>
+              <a:rPr lang="en-US" dirty="0"/>
+              <a:t> </a:t>
+            </a:r>
+            <a:r>
+              <a:rPr lang="en-US" dirty="0" err="1"/>
+              <a:t>sesuai</a:t>
+            </a:r>
+            <a:r>
+              <a:rPr lang="en-US" dirty="0"/>
+              <a:t> </a:t>
+            </a:r>
+            <a:r>
+              <a:rPr lang="en-US" dirty="0" err="1"/>
+              <a:t>kategori</a:t>
+            </a:r>
+            <a:r>
+              <a:rPr lang="en-US" dirty="0"/>
+              <a:t> / </a:t>
+            </a:r>
+            <a:r>
+              <a:rPr lang="en-US" dirty="0" err="1"/>
+              <a:t>nama</a:t>
+            </a:r>
+            <a:r>
+              <a:rPr lang="en-US" dirty="0"/>
+              <a:t> </a:t>
+            </a:r>
+            <a:r>
+              <a:rPr lang="en-US" dirty="0" err="1"/>
+              <a:t>barang</a:t>
+            </a:r>
+            <a:r>
+              <a:rPr lang="en-US" dirty="0"/>
+              <a:t> </a:t>
+            </a:r>
+          </a:p>
+          <a:p>
+            <a:r>
+              <a:rPr lang="en-US" dirty="0" err="1"/>
+              <a:t>Mendapatkan</a:t>
+            </a:r>
+            <a:r>
+              <a:rPr lang="en-US" dirty="0"/>
+              <a:t> </a:t>
+            </a:r>
+            <a:r>
+              <a:rPr lang="en-US" dirty="0" err="1"/>
+              <a:t>barang-barang</a:t>
+            </a:r>
+            <a:r>
+              <a:rPr lang="en-US" dirty="0"/>
+              <a:t> </a:t>
+            </a:r>
+            <a:r>
+              <a:rPr lang="en-US" dirty="0" err="1"/>
+              <a:t>sesuai</a:t>
+            </a:r>
+            <a:r>
+              <a:rPr lang="en-US" dirty="0"/>
+              <a:t> </a:t>
+            </a:r>
+            <a:r>
+              <a:rPr lang="en-US" dirty="0" err="1" smtClean="0"/>
+              <a:t>pencarian</a:t>
+            </a:r>
             <a:endParaRPr lang="en-US" dirty="0"/>
           </a:p>
         </p:txBody>
       </p:sp>
+      <p:pic>
+        <p:nvPicPr>
+          <p:cNvPr id="11" name="Picture 10"/>
+          <p:cNvPicPr>
+            <a:picLocks noChangeAspect="1"/>
+          </p:cNvPicPr>
+          <p:nvPr/>
+        </p:nvPicPr>
+        <p:blipFill>
+          <a:blip r:embed="rId2">
+            <a:extLst>
+              <a:ext uri="{28A0092B-C50C-407E-A947-70E740481C1C}">
+                <a14:useLocalDpi xmlns:a14="http://schemas.microsoft.com/office/drawing/2010/main" val="0"/>
+              </a:ext>
+            </a:extLst>
+          </a:blip>
+          <a:stretch>
+            <a:fillRect/>
+          </a:stretch>
+        </p:blipFill>
+        <p:spPr>
+          <a:xfrm>
+            <a:off x="671163" y="1166325"/>
+            <a:ext cx="2571750" cy="4572000"/>
+          </a:xfrm>
+          <a:prstGeom prst="rect">
+            <a:avLst/>
+          </a:prstGeom>
+        </p:spPr>
+      </p:pic>
+      <p:pic>
+        <p:nvPicPr>
+          <p:cNvPr id="10" name="Picture 9"/>
+          <p:cNvPicPr>
+            <a:picLocks noChangeAspect="1"/>
+          </p:cNvPicPr>
+          <p:nvPr/>
+        </p:nvPicPr>
+        <p:blipFill rotWithShape="1">
+          <a:blip r:embed="rId3">
+            <a:extLst>
+              <a:ext uri="{28A0092B-C50C-407E-A947-70E740481C1C}">
+                <a14:useLocalDpi xmlns:a14="http://schemas.microsoft.com/office/drawing/2010/main" val="0"/>
+              </a:ext>
+            </a:extLst>
+          </a:blip>
+          <a:srcRect l="18894" t="8518" r="18407" b="8577"/>
+          <a:stretch/>
+        </p:blipFill>
+        <p:spPr>
+          <a:xfrm>
+            <a:off x="480412" y="470521"/>
+            <a:ext cx="2953253" cy="5896968"/>
+          </a:xfrm>
+          <a:prstGeom prst="rect">
+            <a:avLst/>
+          </a:prstGeom>
+        </p:spPr>
+      </p:pic>
     </p:spTree>
     <p:extLst>
       <p:ext uri="{BB962C8B-B14F-4D97-AF65-F5344CB8AC3E}">
-        <p14:creationId xmlns:p14="http://schemas.microsoft.com/office/powerpoint/2010/main" val="2657378463"/>
+        <p14:creationId xmlns:p14="http://schemas.microsoft.com/office/powerpoint/2010/main" val="1225015329"/>
       </p:ext>
     </p:extLst>
   </p:cSld>
   <p:clrMapOvr>
     <a:masterClrMapping/>
   </p:clrMapOvr>
+  <p:timing>
+    <p:tnLst>
+      <p:par>
+        <p:cTn id="1" dur="indefinite" restart="never" nodeType="tmRoot"/>
+      </p:par>
+    </p:tnLst>
+  </p:timing>
 </p:sld>
 </file>
 
